--- a/算法竞赛ppt/001_排序算法.pptx
+++ b/算法竞赛ppt/001_排序算法.pptx
@@ -1,6 +1,6 @@
 
 <file path=ppt/presentation.xml><?xml version="1.0" encoding="utf-8"?>
-<p:presentation xmlns:a="http://schemas.openxmlformats.org/drawingml/2006/main" xmlns:r="http://schemas.openxmlformats.org/officeDocument/2006/relationships" xmlns:p="http://schemas.openxmlformats.org/presentationml/2006/main" saveSubsetFonts="1">
+<p:presentation xmlns:a="http://schemas.openxmlformats.org/drawingml/2006/main" xmlns:r="http://schemas.openxmlformats.org/officeDocument/2006/relationships" xmlns:p="http://schemas.openxmlformats.org/presentationml/2006/main">
   <p:sldMasterIdLst>
     <p:sldMasterId id="2147483648" r:id="rId1"/>
   </p:sldMasterIdLst>
@@ -12,6 +12,7 @@
     <p:sldId id="260" r:id="rId6"/>
     <p:sldId id="261" r:id="rId7"/>
     <p:sldId id="262" r:id="rId8"/>
+    <p:sldId id="263" r:id="rId9"/>
   </p:sldIdLst>
   <p:sldSz cx="12192000" cy="6858000"/>
   <p:notesSz cx="6858000" cy="9144000"/>
@@ -110,6 +111,11 @@
       </a:defRPr>
     </a:lvl9pPr>
   </p:defaultTextStyle>
+  <p:extLst>
+    <p:ext uri="{EFAFB233-063F-42B5-8137-9DF3F51BA10A}">
+      <p15:sldGuideLst xmlns:p15="http://schemas.microsoft.com/office/powerpoint/2012/main"/>
+    </p:ext>
+  </p:extLst>
 </p:presentation>
 </file>
 
@@ -132,13 +138,7 @@
       </p:grpSpPr>
       <p:sp>
         <p:nvSpPr>
-          <p:cNvPr id="2" name="标题 1">
-            <a:extLst>
-              <a:ext uri="{FF2B5EF4-FFF2-40B4-BE49-F238E27FC236}">
-                <a16:creationId xmlns:a16="http://schemas.microsoft.com/office/drawing/2014/main" id="{7C7284B9-B93E-EEF7-B178-CD2A1751A0B7}"/>
-              </a:ext>
-            </a:extLst>
-          </p:cNvPr>
+          <p:cNvPr id="2" name="标题 1"/>
           <p:cNvSpPr>
             <a:spLocks noGrp="1"/>
           </p:cNvSpPr>
@@ -169,13 +169,7 @@
       </p:sp>
       <p:sp>
         <p:nvSpPr>
-          <p:cNvPr id="3" name="副标题 2">
-            <a:extLst>
-              <a:ext uri="{FF2B5EF4-FFF2-40B4-BE49-F238E27FC236}">
-                <a16:creationId xmlns:a16="http://schemas.microsoft.com/office/drawing/2014/main" id="{B65FE78F-44F4-490E-6D20-49B905478185}"/>
-              </a:ext>
-            </a:extLst>
-          </p:cNvPr>
+          <p:cNvPr id="3" name="副标题 2"/>
           <p:cNvSpPr>
             <a:spLocks noGrp="1"/>
           </p:cNvSpPr>
@@ -239,13 +233,7 @@
       </p:sp>
       <p:sp>
         <p:nvSpPr>
-          <p:cNvPr id="4" name="日期占位符 3">
-            <a:extLst>
-              <a:ext uri="{FF2B5EF4-FFF2-40B4-BE49-F238E27FC236}">
-                <a16:creationId xmlns:a16="http://schemas.microsoft.com/office/drawing/2014/main" id="{F649E453-84E5-ED02-D4EA-09187D876F02}"/>
-              </a:ext>
-            </a:extLst>
-          </p:cNvPr>
+          <p:cNvPr id="4" name="日期占位符 3"/>
           <p:cNvSpPr>
             <a:spLocks noGrp="1"/>
           </p:cNvSpPr>
@@ -268,13 +256,7 @@
       </p:sp>
       <p:sp>
         <p:nvSpPr>
-          <p:cNvPr id="5" name="页脚占位符 4">
-            <a:extLst>
-              <a:ext uri="{FF2B5EF4-FFF2-40B4-BE49-F238E27FC236}">
-                <a16:creationId xmlns:a16="http://schemas.microsoft.com/office/drawing/2014/main" id="{DC4390AD-10D7-AAFC-22DD-E9BA7828832B}"/>
-              </a:ext>
-            </a:extLst>
-          </p:cNvPr>
+          <p:cNvPr id="5" name="页脚占位符 4"/>
           <p:cNvSpPr>
             <a:spLocks noGrp="1"/>
           </p:cNvSpPr>
@@ -293,13 +275,7 @@
       </p:sp>
       <p:sp>
         <p:nvSpPr>
-          <p:cNvPr id="6" name="灯片编号占位符 5">
-            <a:extLst>
-              <a:ext uri="{FF2B5EF4-FFF2-40B4-BE49-F238E27FC236}">
-                <a16:creationId xmlns:a16="http://schemas.microsoft.com/office/drawing/2014/main" id="{568D1F2B-923F-E8F1-DAEE-6C6EA6DCEEB3}"/>
-              </a:ext>
-            </a:extLst>
-          </p:cNvPr>
+          <p:cNvPr id="6" name="灯片编号占位符 5"/>
           <p:cNvSpPr>
             <a:spLocks noGrp="1"/>
           </p:cNvSpPr>
@@ -321,11 +297,6 @@
         </p:txBody>
       </p:sp>
     </p:spTree>
-    <p:extLst>
-      <p:ext uri="{BB962C8B-B14F-4D97-AF65-F5344CB8AC3E}">
-        <p14:creationId xmlns:p14="http://schemas.microsoft.com/office/powerpoint/2010/main" val="1206681812"/>
-      </p:ext>
-    </p:extLst>
   </p:cSld>
   <p:clrMapOvr>
     <a:masterClrMapping/>
@@ -352,13 +323,7 @@
       </p:grpSpPr>
       <p:sp>
         <p:nvSpPr>
-          <p:cNvPr id="2" name="标题 1">
-            <a:extLst>
-              <a:ext uri="{FF2B5EF4-FFF2-40B4-BE49-F238E27FC236}">
-                <a16:creationId xmlns:a16="http://schemas.microsoft.com/office/drawing/2014/main" id="{3CC2ED1B-F29E-971B-23D6-B7CC8E09F58F}"/>
-              </a:ext>
-            </a:extLst>
-          </p:cNvPr>
+          <p:cNvPr id="2" name="标题 1"/>
           <p:cNvSpPr>
             <a:spLocks noGrp="1"/>
           </p:cNvSpPr>
@@ -380,13 +345,7 @@
       </p:sp>
       <p:sp>
         <p:nvSpPr>
-          <p:cNvPr id="3" name="竖排文字占位符 2">
-            <a:extLst>
-              <a:ext uri="{FF2B5EF4-FFF2-40B4-BE49-F238E27FC236}">
-                <a16:creationId xmlns:a16="http://schemas.microsoft.com/office/drawing/2014/main" id="{2B14E824-C0DE-8889-079E-1F0F9868220C}"/>
-              </a:ext>
-            </a:extLst>
-          </p:cNvPr>
+          <p:cNvPr id="3" name="竖排文字占位符 2"/>
           <p:cNvSpPr>
             <a:spLocks noGrp="1"/>
           </p:cNvSpPr>
@@ -437,13 +396,7 @@
       </p:sp>
       <p:sp>
         <p:nvSpPr>
-          <p:cNvPr id="4" name="日期占位符 3">
-            <a:extLst>
-              <a:ext uri="{FF2B5EF4-FFF2-40B4-BE49-F238E27FC236}">
-                <a16:creationId xmlns:a16="http://schemas.microsoft.com/office/drawing/2014/main" id="{05C3EA97-D065-06D3-7EC4-6021AA3EB5BF}"/>
-              </a:ext>
-            </a:extLst>
-          </p:cNvPr>
+          <p:cNvPr id="4" name="日期占位符 3"/>
           <p:cNvSpPr>
             <a:spLocks noGrp="1"/>
           </p:cNvSpPr>
@@ -466,13 +419,7 @@
       </p:sp>
       <p:sp>
         <p:nvSpPr>
-          <p:cNvPr id="5" name="页脚占位符 4">
-            <a:extLst>
-              <a:ext uri="{FF2B5EF4-FFF2-40B4-BE49-F238E27FC236}">
-                <a16:creationId xmlns:a16="http://schemas.microsoft.com/office/drawing/2014/main" id="{EF7E5E1B-C096-832F-7B73-90CEFDBCB0D8}"/>
-              </a:ext>
-            </a:extLst>
-          </p:cNvPr>
+          <p:cNvPr id="5" name="页脚占位符 4"/>
           <p:cNvSpPr>
             <a:spLocks noGrp="1"/>
           </p:cNvSpPr>
@@ -491,13 +438,7 @@
       </p:sp>
       <p:sp>
         <p:nvSpPr>
-          <p:cNvPr id="6" name="灯片编号占位符 5">
-            <a:extLst>
-              <a:ext uri="{FF2B5EF4-FFF2-40B4-BE49-F238E27FC236}">
-                <a16:creationId xmlns:a16="http://schemas.microsoft.com/office/drawing/2014/main" id="{3BE70684-962A-630D-E162-7864B2DCF54A}"/>
-              </a:ext>
-            </a:extLst>
-          </p:cNvPr>
+          <p:cNvPr id="6" name="灯片编号占位符 5"/>
           <p:cNvSpPr>
             <a:spLocks noGrp="1"/>
           </p:cNvSpPr>
@@ -519,11 +460,6 @@
         </p:txBody>
       </p:sp>
     </p:spTree>
-    <p:extLst>
-      <p:ext uri="{BB962C8B-B14F-4D97-AF65-F5344CB8AC3E}">
-        <p14:creationId xmlns:p14="http://schemas.microsoft.com/office/powerpoint/2010/main" val="1457442533"/>
-      </p:ext>
-    </p:extLst>
   </p:cSld>
   <p:clrMapOvr>
     <a:masterClrMapping/>
@@ -550,13 +486,7 @@
       </p:grpSpPr>
       <p:sp>
         <p:nvSpPr>
-          <p:cNvPr id="2" name="竖排标题 1">
-            <a:extLst>
-              <a:ext uri="{FF2B5EF4-FFF2-40B4-BE49-F238E27FC236}">
-                <a16:creationId xmlns:a16="http://schemas.microsoft.com/office/drawing/2014/main" id="{787E1667-9183-61C4-76A7-133E764D8454}"/>
-              </a:ext>
-            </a:extLst>
-          </p:cNvPr>
+          <p:cNvPr id="2" name="竖排标题 1"/>
           <p:cNvSpPr>
             <a:spLocks noGrp="1"/>
           </p:cNvSpPr>
@@ -583,13 +513,7 @@
       </p:sp>
       <p:sp>
         <p:nvSpPr>
-          <p:cNvPr id="3" name="竖排文字占位符 2">
-            <a:extLst>
-              <a:ext uri="{FF2B5EF4-FFF2-40B4-BE49-F238E27FC236}">
-                <a16:creationId xmlns:a16="http://schemas.microsoft.com/office/drawing/2014/main" id="{CECDA907-7C21-940C-D908-05BCB270C3AF}"/>
-              </a:ext>
-            </a:extLst>
-          </p:cNvPr>
+          <p:cNvPr id="3" name="竖排文字占位符 2"/>
           <p:cNvSpPr>
             <a:spLocks noGrp="1"/>
           </p:cNvSpPr>
@@ -645,13 +569,7 @@
       </p:sp>
       <p:sp>
         <p:nvSpPr>
-          <p:cNvPr id="4" name="日期占位符 3">
-            <a:extLst>
-              <a:ext uri="{FF2B5EF4-FFF2-40B4-BE49-F238E27FC236}">
-                <a16:creationId xmlns:a16="http://schemas.microsoft.com/office/drawing/2014/main" id="{67383612-77F3-A6A2-A811-09D369440CE8}"/>
-              </a:ext>
-            </a:extLst>
-          </p:cNvPr>
+          <p:cNvPr id="4" name="日期占位符 3"/>
           <p:cNvSpPr>
             <a:spLocks noGrp="1"/>
           </p:cNvSpPr>
@@ -674,13 +592,7 @@
       </p:sp>
       <p:sp>
         <p:nvSpPr>
-          <p:cNvPr id="5" name="页脚占位符 4">
-            <a:extLst>
-              <a:ext uri="{FF2B5EF4-FFF2-40B4-BE49-F238E27FC236}">
-                <a16:creationId xmlns:a16="http://schemas.microsoft.com/office/drawing/2014/main" id="{03191BE8-49F8-28C9-C7BA-E5318D66DDB1}"/>
-              </a:ext>
-            </a:extLst>
-          </p:cNvPr>
+          <p:cNvPr id="5" name="页脚占位符 4"/>
           <p:cNvSpPr>
             <a:spLocks noGrp="1"/>
           </p:cNvSpPr>
@@ -699,13 +611,7 @@
       </p:sp>
       <p:sp>
         <p:nvSpPr>
-          <p:cNvPr id="6" name="灯片编号占位符 5">
-            <a:extLst>
-              <a:ext uri="{FF2B5EF4-FFF2-40B4-BE49-F238E27FC236}">
-                <a16:creationId xmlns:a16="http://schemas.microsoft.com/office/drawing/2014/main" id="{010CEEA1-4312-7429-C579-EDCF17054694}"/>
-              </a:ext>
-            </a:extLst>
-          </p:cNvPr>
+          <p:cNvPr id="6" name="灯片编号占位符 5"/>
           <p:cNvSpPr>
             <a:spLocks noGrp="1"/>
           </p:cNvSpPr>
@@ -727,11 +633,6 @@
         </p:txBody>
       </p:sp>
     </p:spTree>
-    <p:extLst>
-      <p:ext uri="{BB962C8B-B14F-4D97-AF65-F5344CB8AC3E}">
-        <p14:creationId xmlns:p14="http://schemas.microsoft.com/office/powerpoint/2010/main" val="1181633231"/>
-      </p:ext>
-    </p:extLst>
   </p:cSld>
   <p:clrMapOvr>
     <a:masterClrMapping/>
@@ -758,13 +659,7 @@
       </p:grpSpPr>
       <p:sp>
         <p:nvSpPr>
-          <p:cNvPr id="2" name="标题 1">
-            <a:extLst>
-              <a:ext uri="{FF2B5EF4-FFF2-40B4-BE49-F238E27FC236}">
-                <a16:creationId xmlns:a16="http://schemas.microsoft.com/office/drawing/2014/main" id="{FDFA9F53-FD1C-444E-8831-96D457ECCEC4}"/>
-              </a:ext>
-            </a:extLst>
-          </p:cNvPr>
+          <p:cNvPr id="2" name="标题 1"/>
           <p:cNvSpPr>
             <a:spLocks noGrp="1"/>
           </p:cNvSpPr>
@@ -786,13 +681,7 @@
       </p:sp>
       <p:sp>
         <p:nvSpPr>
-          <p:cNvPr id="3" name="内容占位符 2">
-            <a:extLst>
-              <a:ext uri="{FF2B5EF4-FFF2-40B4-BE49-F238E27FC236}">
-                <a16:creationId xmlns:a16="http://schemas.microsoft.com/office/drawing/2014/main" id="{1F166091-4952-6B71-88B9-1752E9E1DD22}"/>
-              </a:ext>
-            </a:extLst>
-          </p:cNvPr>
+          <p:cNvPr id="3" name="内容占位符 2"/>
           <p:cNvSpPr>
             <a:spLocks noGrp="1"/>
           </p:cNvSpPr>
@@ -843,13 +732,7 @@
       </p:sp>
       <p:sp>
         <p:nvSpPr>
-          <p:cNvPr id="4" name="日期占位符 3">
-            <a:extLst>
-              <a:ext uri="{FF2B5EF4-FFF2-40B4-BE49-F238E27FC236}">
-                <a16:creationId xmlns:a16="http://schemas.microsoft.com/office/drawing/2014/main" id="{4C837F0C-457F-050B-97B7-51E433258B8A}"/>
-              </a:ext>
-            </a:extLst>
-          </p:cNvPr>
+          <p:cNvPr id="4" name="日期占位符 3"/>
           <p:cNvSpPr>
             <a:spLocks noGrp="1"/>
           </p:cNvSpPr>
@@ -872,13 +755,7 @@
       </p:sp>
       <p:sp>
         <p:nvSpPr>
-          <p:cNvPr id="5" name="页脚占位符 4">
-            <a:extLst>
-              <a:ext uri="{FF2B5EF4-FFF2-40B4-BE49-F238E27FC236}">
-                <a16:creationId xmlns:a16="http://schemas.microsoft.com/office/drawing/2014/main" id="{EF899874-54F3-00DC-401F-327130DEA4D4}"/>
-              </a:ext>
-            </a:extLst>
-          </p:cNvPr>
+          <p:cNvPr id="5" name="页脚占位符 4"/>
           <p:cNvSpPr>
             <a:spLocks noGrp="1"/>
           </p:cNvSpPr>
@@ -897,13 +774,7 @@
       </p:sp>
       <p:sp>
         <p:nvSpPr>
-          <p:cNvPr id="6" name="灯片编号占位符 5">
-            <a:extLst>
-              <a:ext uri="{FF2B5EF4-FFF2-40B4-BE49-F238E27FC236}">
-                <a16:creationId xmlns:a16="http://schemas.microsoft.com/office/drawing/2014/main" id="{180DADDE-0C7B-3CE6-6A06-9920E4594F13}"/>
-              </a:ext>
-            </a:extLst>
-          </p:cNvPr>
+          <p:cNvPr id="6" name="灯片编号占位符 5"/>
           <p:cNvSpPr>
             <a:spLocks noGrp="1"/>
           </p:cNvSpPr>
@@ -925,11 +796,6 @@
         </p:txBody>
       </p:sp>
     </p:spTree>
-    <p:extLst>
-      <p:ext uri="{BB962C8B-B14F-4D97-AF65-F5344CB8AC3E}">
-        <p14:creationId xmlns:p14="http://schemas.microsoft.com/office/powerpoint/2010/main" val="113320866"/>
-      </p:ext>
-    </p:extLst>
   </p:cSld>
   <p:clrMapOvr>
     <a:masterClrMapping/>
@@ -956,13 +822,7 @@
       </p:grpSpPr>
       <p:sp>
         <p:nvSpPr>
-          <p:cNvPr id="2" name="标题 1">
-            <a:extLst>
-              <a:ext uri="{FF2B5EF4-FFF2-40B4-BE49-F238E27FC236}">
-                <a16:creationId xmlns:a16="http://schemas.microsoft.com/office/drawing/2014/main" id="{F593BC66-827E-FE2B-3006-D968761BE24E}"/>
-              </a:ext>
-            </a:extLst>
-          </p:cNvPr>
+          <p:cNvPr id="2" name="标题 1"/>
           <p:cNvSpPr>
             <a:spLocks noGrp="1"/>
           </p:cNvSpPr>
@@ -993,13 +853,7 @@
       </p:sp>
       <p:sp>
         <p:nvSpPr>
-          <p:cNvPr id="3" name="文本占位符 2">
-            <a:extLst>
-              <a:ext uri="{FF2B5EF4-FFF2-40B4-BE49-F238E27FC236}">
-                <a16:creationId xmlns:a16="http://schemas.microsoft.com/office/drawing/2014/main" id="{C1DBA9DC-F854-6952-5C23-B4CC39FCB481}"/>
-              </a:ext>
-            </a:extLst>
-          </p:cNvPr>
+          <p:cNvPr id="3" name="文本占位符 2"/>
           <p:cNvSpPr>
             <a:spLocks noGrp="1"/>
           </p:cNvSpPr>
@@ -1118,13 +972,7 @@
       </p:sp>
       <p:sp>
         <p:nvSpPr>
-          <p:cNvPr id="4" name="日期占位符 3">
-            <a:extLst>
-              <a:ext uri="{FF2B5EF4-FFF2-40B4-BE49-F238E27FC236}">
-                <a16:creationId xmlns:a16="http://schemas.microsoft.com/office/drawing/2014/main" id="{5D28EC91-73ED-1967-8886-C15A2A1D55E9}"/>
-              </a:ext>
-            </a:extLst>
-          </p:cNvPr>
+          <p:cNvPr id="4" name="日期占位符 3"/>
           <p:cNvSpPr>
             <a:spLocks noGrp="1"/>
           </p:cNvSpPr>
@@ -1147,13 +995,7 @@
       </p:sp>
       <p:sp>
         <p:nvSpPr>
-          <p:cNvPr id="5" name="页脚占位符 4">
-            <a:extLst>
-              <a:ext uri="{FF2B5EF4-FFF2-40B4-BE49-F238E27FC236}">
-                <a16:creationId xmlns:a16="http://schemas.microsoft.com/office/drawing/2014/main" id="{C5295B15-2C34-B306-C66C-C5BDD6E87D05}"/>
-              </a:ext>
-            </a:extLst>
-          </p:cNvPr>
+          <p:cNvPr id="5" name="页脚占位符 4"/>
           <p:cNvSpPr>
             <a:spLocks noGrp="1"/>
           </p:cNvSpPr>
@@ -1172,13 +1014,7 @@
       </p:sp>
       <p:sp>
         <p:nvSpPr>
-          <p:cNvPr id="6" name="灯片编号占位符 5">
-            <a:extLst>
-              <a:ext uri="{FF2B5EF4-FFF2-40B4-BE49-F238E27FC236}">
-                <a16:creationId xmlns:a16="http://schemas.microsoft.com/office/drawing/2014/main" id="{05F0E18A-FF5C-FC55-E05A-542F5418D723}"/>
-              </a:ext>
-            </a:extLst>
-          </p:cNvPr>
+          <p:cNvPr id="6" name="灯片编号占位符 5"/>
           <p:cNvSpPr>
             <a:spLocks noGrp="1"/>
           </p:cNvSpPr>
@@ -1200,11 +1036,6 @@
         </p:txBody>
       </p:sp>
     </p:spTree>
-    <p:extLst>
-      <p:ext uri="{BB962C8B-B14F-4D97-AF65-F5344CB8AC3E}">
-        <p14:creationId xmlns:p14="http://schemas.microsoft.com/office/powerpoint/2010/main" val="2920016381"/>
-      </p:ext>
-    </p:extLst>
   </p:cSld>
   <p:clrMapOvr>
     <a:masterClrMapping/>
@@ -1231,13 +1062,7 @@
       </p:grpSpPr>
       <p:sp>
         <p:nvSpPr>
-          <p:cNvPr id="2" name="标题 1">
-            <a:extLst>
-              <a:ext uri="{FF2B5EF4-FFF2-40B4-BE49-F238E27FC236}">
-                <a16:creationId xmlns:a16="http://schemas.microsoft.com/office/drawing/2014/main" id="{EF574DAF-A672-838F-3F3B-BB15BA635A7F}"/>
-              </a:ext>
-            </a:extLst>
-          </p:cNvPr>
+          <p:cNvPr id="2" name="标题 1"/>
           <p:cNvSpPr>
             <a:spLocks noGrp="1"/>
           </p:cNvSpPr>
@@ -1259,13 +1084,7 @@
       </p:sp>
       <p:sp>
         <p:nvSpPr>
-          <p:cNvPr id="3" name="内容占位符 2">
-            <a:extLst>
-              <a:ext uri="{FF2B5EF4-FFF2-40B4-BE49-F238E27FC236}">
-                <a16:creationId xmlns:a16="http://schemas.microsoft.com/office/drawing/2014/main" id="{F304EE90-1E4E-A767-AE65-8080DDA55F02}"/>
-              </a:ext>
-            </a:extLst>
-          </p:cNvPr>
+          <p:cNvPr id="3" name="内容占位符 2"/>
           <p:cNvSpPr>
             <a:spLocks noGrp="1"/>
           </p:cNvSpPr>
@@ -1321,13 +1140,7 @@
       </p:sp>
       <p:sp>
         <p:nvSpPr>
-          <p:cNvPr id="4" name="内容占位符 3">
-            <a:extLst>
-              <a:ext uri="{FF2B5EF4-FFF2-40B4-BE49-F238E27FC236}">
-                <a16:creationId xmlns:a16="http://schemas.microsoft.com/office/drawing/2014/main" id="{FFA4635C-B62A-D0EF-299F-4600D5BBA109}"/>
-              </a:ext>
-            </a:extLst>
-          </p:cNvPr>
+          <p:cNvPr id="4" name="内容占位符 3"/>
           <p:cNvSpPr>
             <a:spLocks noGrp="1"/>
           </p:cNvSpPr>
@@ -1383,13 +1196,7 @@
       </p:sp>
       <p:sp>
         <p:nvSpPr>
-          <p:cNvPr id="5" name="日期占位符 4">
-            <a:extLst>
-              <a:ext uri="{FF2B5EF4-FFF2-40B4-BE49-F238E27FC236}">
-                <a16:creationId xmlns:a16="http://schemas.microsoft.com/office/drawing/2014/main" id="{069C6279-D1F6-97B2-2DFA-9CFDB6861CF2}"/>
-              </a:ext>
-            </a:extLst>
-          </p:cNvPr>
+          <p:cNvPr id="5" name="日期占位符 4"/>
           <p:cNvSpPr>
             <a:spLocks noGrp="1"/>
           </p:cNvSpPr>
@@ -1412,13 +1219,7 @@
       </p:sp>
       <p:sp>
         <p:nvSpPr>
-          <p:cNvPr id="6" name="页脚占位符 5">
-            <a:extLst>
-              <a:ext uri="{FF2B5EF4-FFF2-40B4-BE49-F238E27FC236}">
-                <a16:creationId xmlns:a16="http://schemas.microsoft.com/office/drawing/2014/main" id="{8D3519D6-CD2F-6EEE-5434-946E3ECF8E57}"/>
-              </a:ext>
-            </a:extLst>
-          </p:cNvPr>
+          <p:cNvPr id="6" name="页脚占位符 5"/>
           <p:cNvSpPr>
             <a:spLocks noGrp="1"/>
           </p:cNvSpPr>
@@ -1437,13 +1238,7 @@
       </p:sp>
       <p:sp>
         <p:nvSpPr>
-          <p:cNvPr id="7" name="灯片编号占位符 6">
-            <a:extLst>
-              <a:ext uri="{FF2B5EF4-FFF2-40B4-BE49-F238E27FC236}">
-                <a16:creationId xmlns:a16="http://schemas.microsoft.com/office/drawing/2014/main" id="{929F7113-89A8-EEA5-116D-9358DD043348}"/>
-              </a:ext>
-            </a:extLst>
-          </p:cNvPr>
+          <p:cNvPr id="7" name="灯片编号占位符 6"/>
           <p:cNvSpPr>
             <a:spLocks noGrp="1"/>
           </p:cNvSpPr>
@@ -1465,11 +1260,6 @@
         </p:txBody>
       </p:sp>
     </p:spTree>
-    <p:extLst>
-      <p:ext uri="{BB962C8B-B14F-4D97-AF65-F5344CB8AC3E}">
-        <p14:creationId xmlns:p14="http://schemas.microsoft.com/office/powerpoint/2010/main" val="4282624139"/>
-      </p:ext>
-    </p:extLst>
   </p:cSld>
   <p:clrMapOvr>
     <a:masterClrMapping/>
@@ -1496,13 +1286,7 @@
       </p:grpSpPr>
       <p:sp>
         <p:nvSpPr>
-          <p:cNvPr id="2" name="标题 1">
-            <a:extLst>
-              <a:ext uri="{FF2B5EF4-FFF2-40B4-BE49-F238E27FC236}">
-                <a16:creationId xmlns:a16="http://schemas.microsoft.com/office/drawing/2014/main" id="{5F1CB395-6372-989D-06DE-B7C36C579C77}"/>
-              </a:ext>
-            </a:extLst>
-          </p:cNvPr>
+          <p:cNvPr id="2" name="标题 1"/>
           <p:cNvSpPr>
             <a:spLocks noGrp="1"/>
           </p:cNvSpPr>
@@ -1529,13 +1313,7 @@
       </p:sp>
       <p:sp>
         <p:nvSpPr>
-          <p:cNvPr id="3" name="文本占位符 2">
-            <a:extLst>
-              <a:ext uri="{FF2B5EF4-FFF2-40B4-BE49-F238E27FC236}">
-                <a16:creationId xmlns:a16="http://schemas.microsoft.com/office/drawing/2014/main" id="{CF634BD7-0053-E305-BC99-1CAEF4A130F4}"/>
-              </a:ext>
-            </a:extLst>
-          </p:cNvPr>
+          <p:cNvPr id="3" name="文本占位符 2"/>
           <p:cNvSpPr>
             <a:spLocks noGrp="1"/>
           </p:cNvSpPr>
@@ -1600,13 +1378,7 @@
       </p:sp>
       <p:sp>
         <p:nvSpPr>
-          <p:cNvPr id="4" name="内容占位符 3">
-            <a:extLst>
-              <a:ext uri="{FF2B5EF4-FFF2-40B4-BE49-F238E27FC236}">
-                <a16:creationId xmlns:a16="http://schemas.microsoft.com/office/drawing/2014/main" id="{6B403966-AE27-9678-F4E9-3E0D9362E6E4}"/>
-              </a:ext>
-            </a:extLst>
-          </p:cNvPr>
+          <p:cNvPr id="4" name="内容占位符 3"/>
           <p:cNvSpPr>
             <a:spLocks noGrp="1"/>
           </p:cNvSpPr>
@@ -1662,13 +1434,7 @@
       </p:sp>
       <p:sp>
         <p:nvSpPr>
-          <p:cNvPr id="5" name="文本占位符 4">
-            <a:extLst>
-              <a:ext uri="{FF2B5EF4-FFF2-40B4-BE49-F238E27FC236}">
-                <a16:creationId xmlns:a16="http://schemas.microsoft.com/office/drawing/2014/main" id="{DA5780EC-62C8-3DC8-66DC-C3E7034601D6}"/>
-              </a:ext>
-            </a:extLst>
-          </p:cNvPr>
+          <p:cNvPr id="5" name="文本占位符 4"/>
           <p:cNvSpPr>
             <a:spLocks noGrp="1"/>
           </p:cNvSpPr>
@@ -1733,13 +1499,7 @@
       </p:sp>
       <p:sp>
         <p:nvSpPr>
-          <p:cNvPr id="6" name="内容占位符 5">
-            <a:extLst>
-              <a:ext uri="{FF2B5EF4-FFF2-40B4-BE49-F238E27FC236}">
-                <a16:creationId xmlns:a16="http://schemas.microsoft.com/office/drawing/2014/main" id="{826DFDD2-5ED8-3F76-D64E-49B9E52B9475}"/>
-              </a:ext>
-            </a:extLst>
-          </p:cNvPr>
+          <p:cNvPr id="6" name="内容占位符 5"/>
           <p:cNvSpPr>
             <a:spLocks noGrp="1"/>
           </p:cNvSpPr>
@@ -1795,13 +1555,7 @@
       </p:sp>
       <p:sp>
         <p:nvSpPr>
-          <p:cNvPr id="7" name="日期占位符 6">
-            <a:extLst>
-              <a:ext uri="{FF2B5EF4-FFF2-40B4-BE49-F238E27FC236}">
-                <a16:creationId xmlns:a16="http://schemas.microsoft.com/office/drawing/2014/main" id="{F3F484EA-6A20-39F4-FDF2-D9D3875A6E37}"/>
-              </a:ext>
-            </a:extLst>
-          </p:cNvPr>
+          <p:cNvPr id="7" name="日期占位符 6"/>
           <p:cNvSpPr>
             <a:spLocks noGrp="1"/>
           </p:cNvSpPr>
@@ -1824,13 +1578,7 @@
       </p:sp>
       <p:sp>
         <p:nvSpPr>
-          <p:cNvPr id="8" name="页脚占位符 7">
-            <a:extLst>
-              <a:ext uri="{FF2B5EF4-FFF2-40B4-BE49-F238E27FC236}">
-                <a16:creationId xmlns:a16="http://schemas.microsoft.com/office/drawing/2014/main" id="{2F392E79-2D11-3AB8-A8CD-56E05E7B65FF}"/>
-              </a:ext>
-            </a:extLst>
-          </p:cNvPr>
+          <p:cNvPr id="8" name="页脚占位符 7"/>
           <p:cNvSpPr>
             <a:spLocks noGrp="1"/>
           </p:cNvSpPr>
@@ -1849,13 +1597,7 @@
       </p:sp>
       <p:sp>
         <p:nvSpPr>
-          <p:cNvPr id="9" name="灯片编号占位符 8">
-            <a:extLst>
-              <a:ext uri="{FF2B5EF4-FFF2-40B4-BE49-F238E27FC236}">
-                <a16:creationId xmlns:a16="http://schemas.microsoft.com/office/drawing/2014/main" id="{1951AB1F-4F91-F609-EB02-1737C023FFC8}"/>
-              </a:ext>
-            </a:extLst>
-          </p:cNvPr>
+          <p:cNvPr id="9" name="灯片编号占位符 8"/>
           <p:cNvSpPr>
             <a:spLocks noGrp="1"/>
           </p:cNvSpPr>
@@ -1877,11 +1619,6 @@
         </p:txBody>
       </p:sp>
     </p:spTree>
-    <p:extLst>
-      <p:ext uri="{BB962C8B-B14F-4D97-AF65-F5344CB8AC3E}">
-        <p14:creationId xmlns:p14="http://schemas.microsoft.com/office/powerpoint/2010/main" val="917905891"/>
-      </p:ext>
-    </p:extLst>
   </p:cSld>
   <p:clrMapOvr>
     <a:masterClrMapping/>
@@ -1908,13 +1645,7 @@
       </p:grpSpPr>
       <p:sp>
         <p:nvSpPr>
-          <p:cNvPr id="2" name="标题 1">
-            <a:extLst>
-              <a:ext uri="{FF2B5EF4-FFF2-40B4-BE49-F238E27FC236}">
-                <a16:creationId xmlns:a16="http://schemas.microsoft.com/office/drawing/2014/main" id="{76EE6E27-10A3-4955-5A81-73E9EE127284}"/>
-              </a:ext>
-            </a:extLst>
-          </p:cNvPr>
+          <p:cNvPr id="2" name="标题 1"/>
           <p:cNvSpPr>
             <a:spLocks noGrp="1"/>
           </p:cNvSpPr>
@@ -1936,13 +1667,7 @@
       </p:sp>
       <p:sp>
         <p:nvSpPr>
-          <p:cNvPr id="3" name="日期占位符 2">
-            <a:extLst>
-              <a:ext uri="{FF2B5EF4-FFF2-40B4-BE49-F238E27FC236}">
-                <a16:creationId xmlns:a16="http://schemas.microsoft.com/office/drawing/2014/main" id="{D5DEB0F1-C074-3209-5F9A-82F313018BEA}"/>
-              </a:ext>
-            </a:extLst>
-          </p:cNvPr>
+          <p:cNvPr id="3" name="日期占位符 2"/>
           <p:cNvSpPr>
             <a:spLocks noGrp="1"/>
           </p:cNvSpPr>
@@ -1965,13 +1690,7 @@
       </p:sp>
       <p:sp>
         <p:nvSpPr>
-          <p:cNvPr id="4" name="页脚占位符 3">
-            <a:extLst>
-              <a:ext uri="{FF2B5EF4-FFF2-40B4-BE49-F238E27FC236}">
-                <a16:creationId xmlns:a16="http://schemas.microsoft.com/office/drawing/2014/main" id="{6336C4B6-70EE-0B8C-AB57-4E6AE96EBC1D}"/>
-              </a:ext>
-            </a:extLst>
-          </p:cNvPr>
+          <p:cNvPr id="4" name="页脚占位符 3"/>
           <p:cNvSpPr>
             <a:spLocks noGrp="1"/>
           </p:cNvSpPr>
@@ -1990,13 +1709,7 @@
       </p:sp>
       <p:sp>
         <p:nvSpPr>
-          <p:cNvPr id="5" name="灯片编号占位符 4">
-            <a:extLst>
-              <a:ext uri="{FF2B5EF4-FFF2-40B4-BE49-F238E27FC236}">
-                <a16:creationId xmlns:a16="http://schemas.microsoft.com/office/drawing/2014/main" id="{503045E8-EB75-74AE-7A0C-D49AC09FEBCA}"/>
-              </a:ext>
-            </a:extLst>
-          </p:cNvPr>
+          <p:cNvPr id="5" name="灯片编号占位符 4"/>
           <p:cNvSpPr>
             <a:spLocks noGrp="1"/>
           </p:cNvSpPr>
@@ -2018,11 +1731,6 @@
         </p:txBody>
       </p:sp>
     </p:spTree>
-    <p:extLst>
-      <p:ext uri="{BB962C8B-B14F-4D97-AF65-F5344CB8AC3E}">
-        <p14:creationId xmlns:p14="http://schemas.microsoft.com/office/powerpoint/2010/main" val="560235298"/>
-      </p:ext>
-    </p:extLst>
   </p:cSld>
   <p:clrMapOvr>
     <a:masterClrMapping/>
@@ -2049,13 +1757,7 @@
       </p:grpSpPr>
       <p:sp>
         <p:nvSpPr>
-          <p:cNvPr id="2" name="日期占位符 1">
-            <a:extLst>
-              <a:ext uri="{FF2B5EF4-FFF2-40B4-BE49-F238E27FC236}">
-                <a16:creationId xmlns:a16="http://schemas.microsoft.com/office/drawing/2014/main" id="{9D169207-56E8-75AA-D9F3-FD3F16560839}"/>
-              </a:ext>
-            </a:extLst>
-          </p:cNvPr>
+          <p:cNvPr id="2" name="日期占位符 1"/>
           <p:cNvSpPr>
             <a:spLocks noGrp="1"/>
           </p:cNvSpPr>
@@ -2078,13 +1780,7 @@
       </p:sp>
       <p:sp>
         <p:nvSpPr>
-          <p:cNvPr id="3" name="页脚占位符 2">
-            <a:extLst>
-              <a:ext uri="{FF2B5EF4-FFF2-40B4-BE49-F238E27FC236}">
-                <a16:creationId xmlns:a16="http://schemas.microsoft.com/office/drawing/2014/main" id="{E0F5B205-289A-512D-5202-33C5176F7545}"/>
-              </a:ext>
-            </a:extLst>
-          </p:cNvPr>
+          <p:cNvPr id="3" name="页脚占位符 2"/>
           <p:cNvSpPr>
             <a:spLocks noGrp="1"/>
           </p:cNvSpPr>
@@ -2103,13 +1799,7 @@
       </p:sp>
       <p:sp>
         <p:nvSpPr>
-          <p:cNvPr id="4" name="灯片编号占位符 3">
-            <a:extLst>
-              <a:ext uri="{FF2B5EF4-FFF2-40B4-BE49-F238E27FC236}">
-                <a16:creationId xmlns:a16="http://schemas.microsoft.com/office/drawing/2014/main" id="{FA9FF0BB-77AF-171B-9C15-152B589A8404}"/>
-              </a:ext>
-            </a:extLst>
-          </p:cNvPr>
+          <p:cNvPr id="4" name="灯片编号占位符 3"/>
           <p:cNvSpPr>
             <a:spLocks noGrp="1"/>
           </p:cNvSpPr>
@@ -2131,11 +1821,6 @@
         </p:txBody>
       </p:sp>
     </p:spTree>
-    <p:extLst>
-      <p:ext uri="{BB962C8B-B14F-4D97-AF65-F5344CB8AC3E}">
-        <p14:creationId xmlns:p14="http://schemas.microsoft.com/office/powerpoint/2010/main" val="865559940"/>
-      </p:ext>
-    </p:extLst>
   </p:cSld>
   <p:clrMapOvr>
     <a:masterClrMapping/>
@@ -2162,13 +1847,7 @@
       </p:grpSpPr>
       <p:sp>
         <p:nvSpPr>
-          <p:cNvPr id="2" name="标题 1">
-            <a:extLst>
-              <a:ext uri="{FF2B5EF4-FFF2-40B4-BE49-F238E27FC236}">
-                <a16:creationId xmlns:a16="http://schemas.microsoft.com/office/drawing/2014/main" id="{2BBCEA0F-CDDD-E555-4C03-BC3A2AFE8DF7}"/>
-              </a:ext>
-            </a:extLst>
-          </p:cNvPr>
+          <p:cNvPr id="2" name="标题 1"/>
           <p:cNvSpPr>
             <a:spLocks noGrp="1"/>
           </p:cNvSpPr>
@@ -2199,13 +1878,7 @@
       </p:sp>
       <p:sp>
         <p:nvSpPr>
-          <p:cNvPr id="3" name="内容占位符 2">
-            <a:extLst>
-              <a:ext uri="{FF2B5EF4-FFF2-40B4-BE49-F238E27FC236}">
-                <a16:creationId xmlns:a16="http://schemas.microsoft.com/office/drawing/2014/main" id="{400A0024-AFBD-534C-2C3F-EA523D38FC5A}"/>
-              </a:ext>
-            </a:extLst>
-          </p:cNvPr>
+          <p:cNvPr id="3" name="内容占位符 2"/>
           <p:cNvSpPr>
             <a:spLocks noGrp="1"/>
           </p:cNvSpPr>
@@ -2289,13 +1962,7 @@
       </p:sp>
       <p:sp>
         <p:nvSpPr>
-          <p:cNvPr id="4" name="文本占位符 3">
-            <a:extLst>
-              <a:ext uri="{FF2B5EF4-FFF2-40B4-BE49-F238E27FC236}">
-                <a16:creationId xmlns:a16="http://schemas.microsoft.com/office/drawing/2014/main" id="{DC87F068-80DC-77EF-8C1D-9D12DEFDE71E}"/>
-              </a:ext>
-            </a:extLst>
-          </p:cNvPr>
+          <p:cNvPr id="4" name="文本占位符 3"/>
           <p:cNvSpPr>
             <a:spLocks noGrp="1"/>
           </p:cNvSpPr>
@@ -2360,13 +2027,7 @@
       </p:sp>
       <p:sp>
         <p:nvSpPr>
-          <p:cNvPr id="5" name="日期占位符 4">
-            <a:extLst>
-              <a:ext uri="{FF2B5EF4-FFF2-40B4-BE49-F238E27FC236}">
-                <a16:creationId xmlns:a16="http://schemas.microsoft.com/office/drawing/2014/main" id="{B1931597-5CA3-E2F7-C335-E35780BE5276}"/>
-              </a:ext>
-            </a:extLst>
-          </p:cNvPr>
+          <p:cNvPr id="5" name="日期占位符 4"/>
           <p:cNvSpPr>
             <a:spLocks noGrp="1"/>
           </p:cNvSpPr>
@@ -2389,13 +2050,7 @@
       </p:sp>
       <p:sp>
         <p:nvSpPr>
-          <p:cNvPr id="6" name="页脚占位符 5">
-            <a:extLst>
-              <a:ext uri="{FF2B5EF4-FFF2-40B4-BE49-F238E27FC236}">
-                <a16:creationId xmlns:a16="http://schemas.microsoft.com/office/drawing/2014/main" id="{B487ED21-C33E-ADCD-A32A-7F8262CF0B77}"/>
-              </a:ext>
-            </a:extLst>
-          </p:cNvPr>
+          <p:cNvPr id="6" name="页脚占位符 5"/>
           <p:cNvSpPr>
             <a:spLocks noGrp="1"/>
           </p:cNvSpPr>
@@ -2414,13 +2069,7 @@
       </p:sp>
       <p:sp>
         <p:nvSpPr>
-          <p:cNvPr id="7" name="灯片编号占位符 6">
-            <a:extLst>
-              <a:ext uri="{FF2B5EF4-FFF2-40B4-BE49-F238E27FC236}">
-                <a16:creationId xmlns:a16="http://schemas.microsoft.com/office/drawing/2014/main" id="{A0408617-550B-520E-9C7F-35CE4DA200C7}"/>
-              </a:ext>
-            </a:extLst>
-          </p:cNvPr>
+          <p:cNvPr id="7" name="灯片编号占位符 6"/>
           <p:cNvSpPr>
             <a:spLocks noGrp="1"/>
           </p:cNvSpPr>
@@ -2442,11 +2091,6 @@
         </p:txBody>
       </p:sp>
     </p:spTree>
-    <p:extLst>
-      <p:ext uri="{BB962C8B-B14F-4D97-AF65-F5344CB8AC3E}">
-        <p14:creationId xmlns:p14="http://schemas.microsoft.com/office/powerpoint/2010/main" val="2883295109"/>
-      </p:ext>
-    </p:extLst>
   </p:cSld>
   <p:clrMapOvr>
     <a:masterClrMapping/>
@@ -2473,13 +2117,7 @@
       </p:grpSpPr>
       <p:sp>
         <p:nvSpPr>
-          <p:cNvPr id="2" name="标题 1">
-            <a:extLst>
-              <a:ext uri="{FF2B5EF4-FFF2-40B4-BE49-F238E27FC236}">
-                <a16:creationId xmlns:a16="http://schemas.microsoft.com/office/drawing/2014/main" id="{374F8B5B-F705-F98B-7C52-704A5D805BC9}"/>
-              </a:ext>
-            </a:extLst>
-          </p:cNvPr>
+          <p:cNvPr id="2" name="标题 1"/>
           <p:cNvSpPr>
             <a:spLocks noGrp="1"/>
           </p:cNvSpPr>
@@ -2510,13 +2148,7 @@
       </p:sp>
       <p:sp>
         <p:nvSpPr>
-          <p:cNvPr id="3" name="图片占位符 2">
-            <a:extLst>
-              <a:ext uri="{FF2B5EF4-FFF2-40B4-BE49-F238E27FC236}">
-                <a16:creationId xmlns:a16="http://schemas.microsoft.com/office/drawing/2014/main" id="{A84A10F0-6680-2D85-37FC-15A4F161D804}"/>
-              </a:ext>
-            </a:extLst>
-          </p:cNvPr>
+          <p:cNvPr id="3" name="图片占位符 2"/>
           <p:cNvSpPr>
             <a:spLocks noGrp="1"/>
           </p:cNvSpPr>
@@ -2577,13 +2209,7 @@
       </p:sp>
       <p:sp>
         <p:nvSpPr>
-          <p:cNvPr id="4" name="文本占位符 3">
-            <a:extLst>
-              <a:ext uri="{FF2B5EF4-FFF2-40B4-BE49-F238E27FC236}">
-                <a16:creationId xmlns:a16="http://schemas.microsoft.com/office/drawing/2014/main" id="{AF140E25-5DB4-FF87-5729-C35A23A929DD}"/>
-              </a:ext>
-            </a:extLst>
-          </p:cNvPr>
+          <p:cNvPr id="4" name="文本占位符 3"/>
           <p:cNvSpPr>
             <a:spLocks noGrp="1"/>
           </p:cNvSpPr>
@@ -2648,13 +2274,7 @@
       </p:sp>
       <p:sp>
         <p:nvSpPr>
-          <p:cNvPr id="5" name="日期占位符 4">
-            <a:extLst>
-              <a:ext uri="{FF2B5EF4-FFF2-40B4-BE49-F238E27FC236}">
-                <a16:creationId xmlns:a16="http://schemas.microsoft.com/office/drawing/2014/main" id="{70A4AC4A-6B4F-BFC0-CE46-8F7748429B7C}"/>
-              </a:ext>
-            </a:extLst>
-          </p:cNvPr>
+          <p:cNvPr id="5" name="日期占位符 4"/>
           <p:cNvSpPr>
             <a:spLocks noGrp="1"/>
           </p:cNvSpPr>
@@ -2677,13 +2297,7 @@
       </p:sp>
       <p:sp>
         <p:nvSpPr>
-          <p:cNvPr id="6" name="页脚占位符 5">
-            <a:extLst>
-              <a:ext uri="{FF2B5EF4-FFF2-40B4-BE49-F238E27FC236}">
-                <a16:creationId xmlns:a16="http://schemas.microsoft.com/office/drawing/2014/main" id="{3A09357C-24FB-8011-423E-532B3B08BBA8}"/>
-              </a:ext>
-            </a:extLst>
-          </p:cNvPr>
+          <p:cNvPr id="6" name="页脚占位符 5"/>
           <p:cNvSpPr>
             <a:spLocks noGrp="1"/>
           </p:cNvSpPr>
@@ -2702,13 +2316,7 @@
       </p:sp>
       <p:sp>
         <p:nvSpPr>
-          <p:cNvPr id="7" name="灯片编号占位符 6">
-            <a:extLst>
-              <a:ext uri="{FF2B5EF4-FFF2-40B4-BE49-F238E27FC236}">
-                <a16:creationId xmlns:a16="http://schemas.microsoft.com/office/drawing/2014/main" id="{B54E47D5-A10B-8F60-553B-53641B2821AB}"/>
-              </a:ext>
-            </a:extLst>
-          </p:cNvPr>
+          <p:cNvPr id="7" name="灯片编号占位符 6"/>
           <p:cNvSpPr>
             <a:spLocks noGrp="1"/>
           </p:cNvSpPr>
@@ -2730,11 +2338,6 @@
         </p:txBody>
       </p:sp>
     </p:spTree>
-    <p:extLst>
-      <p:ext uri="{BB962C8B-B14F-4D97-AF65-F5344CB8AC3E}">
-        <p14:creationId xmlns:p14="http://schemas.microsoft.com/office/powerpoint/2010/main" val="941707849"/>
-      </p:ext>
-    </p:extLst>
   </p:cSld>
   <p:clrMapOvr>
     <a:masterClrMapping/>
@@ -2766,13 +2369,7 @@
       </p:grpSpPr>
       <p:sp>
         <p:nvSpPr>
-          <p:cNvPr id="2" name="标题占位符 1">
-            <a:extLst>
-              <a:ext uri="{FF2B5EF4-FFF2-40B4-BE49-F238E27FC236}">
-                <a16:creationId xmlns:a16="http://schemas.microsoft.com/office/drawing/2014/main" id="{09DDFFA6-C5DA-63E1-DFF7-EC8352DE00AB}"/>
-              </a:ext>
-            </a:extLst>
-          </p:cNvPr>
+          <p:cNvPr id="2" name="标题占位符 1"/>
           <p:cNvSpPr>
             <a:spLocks noGrp="1"/>
           </p:cNvSpPr>
@@ -2804,13 +2401,7 @@
       </p:sp>
       <p:sp>
         <p:nvSpPr>
-          <p:cNvPr id="3" name="文本占位符 2">
-            <a:extLst>
-              <a:ext uri="{FF2B5EF4-FFF2-40B4-BE49-F238E27FC236}">
-                <a16:creationId xmlns:a16="http://schemas.microsoft.com/office/drawing/2014/main" id="{93E52788-AB31-527D-7F91-9DF92EF9989A}"/>
-              </a:ext>
-            </a:extLst>
-          </p:cNvPr>
+          <p:cNvPr id="3" name="文本占位符 2"/>
           <p:cNvSpPr>
             <a:spLocks noGrp="1"/>
           </p:cNvSpPr>
@@ -2871,13 +2462,7 @@
       </p:sp>
       <p:sp>
         <p:nvSpPr>
-          <p:cNvPr id="4" name="日期占位符 3">
-            <a:extLst>
-              <a:ext uri="{FF2B5EF4-FFF2-40B4-BE49-F238E27FC236}">
-                <a16:creationId xmlns:a16="http://schemas.microsoft.com/office/drawing/2014/main" id="{A1980C53-5549-0AE6-E668-88F681694BEB}"/>
-              </a:ext>
-            </a:extLst>
-          </p:cNvPr>
+          <p:cNvPr id="4" name="日期占位符 3"/>
           <p:cNvSpPr>
             <a:spLocks noGrp="1"/>
           </p:cNvSpPr>
@@ -2918,13 +2503,7 @@
       </p:sp>
       <p:sp>
         <p:nvSpPr>
-          <p:cNvPr id="5" name="页脚占位符 4">
-            <a:extLst>
-              <a:ext uri="{FF2B5EF4-FFF2-40B4-BE49-F238E27FC236}">
-                <a16:creationId xmlns:a16="http://schemas.microsoft.com/office/drawing/2014/main" id="{E59FFCC5-11A8-158E-14FD-5AC0E23C1CF1}"/>
-              </a:ext>
-            </a:extLst>
-          </p:cNvPr>
+          <p:cNvPr id="5" name="页脚占位符 4"/>
           <p:cNvSpPr>
             <a:spLocks noGrp="1"/>
           </p:cNvSpPr>
@@ -2961,13 +2540,7 @@
       </p:sp>
       <p:sp>
         <p:nvSpPr>
-          <p:cNvPr id="6" name="灯片编号占位符 5">
-            <a:extLst>
-              <a:ext uri="{FF2B5EF4-FFF2-40B4-BE49-F238E27FC236}">
-                <a16:creationId xmlns:a16="http://schemas.microsoft.com/office/drawing/2014/main" id="{0E65835D-EA7C-07E3-2634-0FE60D80728A}"/>
-              </a:ext>
-            </a:extLst>
-          </p:cNvPr>
+          <p:cNvPr id="6" name="灯片编号占位符 5"/>
           <p:cNvSpPr>
             <a:spLocks noGrp="1"/>
           </p:cNvSpPr>
@@ -3007,11 +2580,6 @@
         </p:txBody>
       </p:sp>
     </p:spTree>
-    <p:extLst>
-      <p:ext uri="{BB962C8B-B14F-4D97-AF65-F5344CB8AC3E}">
-        <p14:creationId xmlns:p14="http://schemas.microsoft.com/office/powerpoint/2010/main" val="1154555064"/>
-      </p:ext>
-    </p:extLst>
   </p:cSld>
   <p:clrMap bg1="lt1" tx1="dk1" bg2="lt2" tx2="dk2" accent1="accent1" accent2="accent2" accent3="accent3" accent4="accent4" accent5="accent5" accent6="accent6" hlink="hlink" folHlink="folHlink"/>
   <p:sldLayoutIdLst>
@@ -3329,13 +2897,7 @@
       </p:grpSpPr>
       <p:sp>
         <p:nvSpPr>
-          <p:cNvPr id="2" name="标题 1">
-            <a:extLst>
-              <a:ext uri="{FF2B5EF4-FFF2-40B4-BE49-F238E27FC236}">
-                <a16:creationId xmlns:a16="http://schemas.microsoft.com/office/drawing/2014/main" id="{B1A21B84-C0AF-1657-7502-AF2CD9306D7B}"/>
-              </a:ext>
-            </a:extLst>
-          </p:cNvPr>
+          <p:cNvPr id="2" name="标题 1"/>
           <p:cNvSpPr>
             <a:spLocks noGrp="1"/>
           </p:cNvSpPr>
@@ -3357,13 +2919,7 @@
       </p:sp>
       <p:sp>
         <p:nvSpPr>
-          <p:cNvPr id="3" name="副标题 2">
-            <a:extLst>
-              <a:ext uri="{FF2B5EF4-FFF2-40B4-BE49-F238E27FC236}">
-                <a16:creationId xmlns:a16="http://schemas.microsoft.com/office/drawing/2014/main" id="{82319A96-3263-B75C-CD16-116145FA8B70}"/>
-              </a:ext>
-            </a:extLst>
-          </p:cNvPr>
+          <p:cNvPr id="3" name="副标题 2"/>
           <p:cNvSpPr>
             <a:spLocks noGrp="1"/>
           </p:cNvSpPr>
@@ -3427,11 +2983,6 @@
         </p:txBody>
       </p:sp>
     </p:spTree>
-    <p:extLst>
-      <p:ext uri="{BB962C8B-B14F-4D97-AF65-F5344CB8AC3E}">
-        <p14:creationId xmlns:p14="http://schemas.microsoft.com/office/powerpoint/2010/main" val="3904423140"/>
-      </p:ext>
-    </p:extLst>
   </p:cSld>
   <p:clrMapOvr>
     <a:masterClrMapping/>
@@ -3458,13 +3009,7 @@
       </p:grpSpPr>
       <p:sp>
         <p:nvSpPr>
-          <p:cNvPr id="2" name="标题 1">
-            <a:extLst>
-              <a:ext uri="{FF2B5EF4-FFF2-40B4-BE49-F238E27FC236}">
-                <a16:creationId xmlns:a16="http://schemas.microsoft.com/office/drawing/2014/main" id="{9802A49A-E1B4-A6BB-EA1A-7D594B4105C3}"/>
-              </a:ext>
-            </a:extLst>
-          </p:cNvPr>
+          <p:cNvPr id="2" name="标题 1"/>
           <p:cNvSpPr>
             <a:spLocks noGrp="1"/>
           </p:cNvSpPr>
@@ -3491,13 +3036,7 @@
       </p:sp>
       <p:sp>
         <p:nvSpPr>
-          <p:cNvPr id="3" name="内容占位符 2">
-            <a:extLst>
-              <a:ext uri="{FF2B5EF4-FFF2-40B4-BE49-F238E27FC236}">
-                <a16:creationId xmlns:a16="http://schemas.microsoft.com/office/drawing/2014/main" id="{B0F7AE2D-C2C1-C419-B5A1-B73E9BF1CFAA}"/>
-              </a:ext>
-            </a:extLst>
-          </p:cNvPr>
+          <p:cNvPr id="3" name="内容占位符 2"/>
           <p:cNvSpPr>
             <a:spLocks noGrp="1"/>
           </p:cNvSpPr>
@@ -3518,11 +3057,6 @@
         </p:txBody>
       </p:sp>
     </p:spTree>
-    <p:extLst>
-      <p:ext uri="{BB962C8B-B14F-4D97-AF65-F5344CB8AC3E}">
-        <p14:creationId xmlns:p14="http://schemas.microsoft.com/office/powerpoint/2010/main" val="897036624"/>
-      </p:ext>
-    </p:extLst>
   </p:cSld>
   <p:clrMapOvr>
     <a:masterClrMapping/>
@@ -3549,13 +3083,7 @@
       </p:grpSpPr>
       <p:sp>
         <p:nvSpPr>
-          <p:cNvPr id="2" name="标题 1">
-            <a:extLst>
-              <a:ext uri="{FF2B5EF4-FFF2-40B4-BE49-F238E27FC236}">
-                <a16:creationId xmlns:a16="http://schemas.microsoft.com/office/drawing/2014/main" id="{B720C98D-A68B-9DB9-371E-93EDFDD58A3E}"/>
-              </a:ext>
-            </a:extLst>
-          </p:cNvPr>
+          <p:cNvPr id="2" name="标题 1"/>
           <p:cNvSpPr>
             <a:spLocks noGrp="1"/>
           </p:cNvSpPr>
@@ -3577,13 +3105,7 @@
       </p:sp>
       <p:sp>
         <p:nvSpPr>
-          <p:cNvPr id="4" name="Rectangle 1">
-            <a:extLst>
-              <a:ext uri="{FF2B5EF4-FFF2-40B4-BE49-F238E27FC236}">
-                <a16:creationId xmlns:a16="http://schemas.microsoft.com/office/drawing/2014/main" id="{AAE09471-7046-65B8-6B9A-72A15E23EE10}"/>
-              </a:ext>
-            </a:extLst>
-          </p:cNvPr>
+          <p:cNvPr id="4" name="Rectangle 1"/>
           <p:cNvSpPr>
             <a:spLocks noGrp="1" noChangeArrowheads="1"/>
           </p:cNvSpPr>
@@ -3635,9 +3157,6 @@
         </p:spPr>
         <p:txBody>
           <a:bodyPr vert="horz" wrap="none" lIns="91440" tIns="45720" rIns="91440" bIns="45720" numCol="1" anchor="ctr" anchorCtr="0" compatLnSpc="1">
-            <a:prstTxWarp prst="textNoShape">
-              <a:avLst/>
-            </a:prstTxWarp>
             <a:spAutoFit/>
           </a:bodyPr>
           <a:lstStyle/>
@@ -3656,7 +3175,6 @@
               <a:buSzTx/>
               <a:buFontTx/>
               <a:buNone/>
-              <a:tabLst/>
             </a:pPr>
             <a:r>
               <a:rPr kumimoji="0" lang="zh-CN" altLang="zh-CN" sz="1200" b="0" i="0" u="none" strike="noStrike" cap="none" normalizeH="0" baseline="0" dirty="0">
@@ -3722,7 +3240,6 @@
               <a:buSzTx/>
               <a:buFontTx/>
               <a:buAutoNum type="arabicPeriod"/>
-              <a:tabLst/>
             </a:pPr>
             <a:r>
               <a:rPr kumimoji="0" lang="zh-CN" altLang="zh-CN" sz="1200" b="1" i="0" u="none" strike="noStrike" cap="none" normalizeH="0" baseline="0" dirty="0">
@@ -3763,7 +3280,6 @@
               <a:buSzTx/>
               <a:buFontTx/>
               <a:buChar char="•"/>
-              <a:tabLst/>
             </a:pPr>
             <a:r>
               <a:rPr kumimoji="0" lang="zh-CN" altLang="zh-CN" sz="1200" b="0" i="0" u="none" strike="noStrike" cap="none" normalizeH="0" baseline="0" dirty="0">
@@ -3854,7 +3370,6 @@
               <a:buSzTx/>
               <a:buFontTx/>
               <a:buChar char="•"/>
-              <a:tabLst/>
             </a:pPr>
             <a:r>
               <a:rPr kumimoji="0" lang="zh-CN" altLang="zh-CN" sz="1200" b="0" i="0" u="none" strike="noStrike" cap="none" normalizeH="0" baseline="0" dirty="0">
@@ -3945,7 +3460,6 @@
               <a:buSzTx/>
               <a:buFontTx/>
               <a:buChar char="•"/>
-              <a:tabLst/>
             </a:pPr>
             <a:r>
               <a:rPr kumimoji="0" lang="zh-CN" altLang="zh-CN" sz="1200" b="0" i="0" u="none" strike="noStrike" cap="none" normalizeH="0" baseline="0" dirty="0">
@@ -4011,7 +3525,6 @@
               <a:buSzTx/>
               <a:buFontTx/>
               <a:buChar char="•"/>
-              <a:tabLst/>
             </a:pPr>
             <a:r>
               <a:rPr kumimoji="0" lang="zh-CN" altLang="zh-CN" sz="1200" b="0" i="0" u="none" strike="noStrike" cap="none" normalizeH="0" baseline="0" dirty="0">
@@ -4102,7 +3615,6 @@
               <a:buSzTx/>
               <a:buFontTx/>
               <a:buAutoNum type="arabicPeriod" startAt="2"/>
-              <a:tabLst/>
             </a:pPr>
             <a:r>
               <a:rPr kumimoji="0" lang="zh-CN" altLang="zh-CN" sz="1200" b="1" i="0" u="none" strike="noStrike" cap="none" normalizeH="0" baseline="0" dirty="0">
@@ -4143,7 +3655,6 @@
               <a:buSzTx/>
               <a:buFontTx/>
               <a:buChar char="•"/>
-              <a:tabLst/>
             </a:pPr>
             <a:r>
               <a:rPr kumimoji="0" lang="zh-CN" altLang="zh-CN" sz="1200" b="0" i="0" u="none" strike="noStrike" cap="none" normalizeH="0" baseline="0" dirty="0">
@@ -4234,7 +3745,6 @@
               <a:buSzTx/>
               <a:buFontTx/>
               <a:buChar char="•"/>
-              <a:tabLst/>
             </a:pPr>
             <a:r>
               <a:rPr kumimoji="0" lang="zh-CN" altLang="zh-CN" sz="1200" b="0" i="0" u="none" strike="noStrike" cap="none" normalizeH="0" baseline="0" dirty="0">
@@ -4287,7 +3797,6 @@
               <a:buSzTx/>
               <a:buFontTx/>
               <a:buChar char="•"/>
-              <a:tabLst/>
             </a:pPr>
             <a:r>
               <a:rPr kumimoji="0" lang="zh-CN" altLang="zh-CN" sz="1200" b="0" i="0" u="none" strike="noStrike" cap="none" normalizeH="0" baseline="0" dirty="0">
@@ -4353,7 +3862,6 @@
               <a:buSzTx/>
               <a:buFontTx/>
               <a:buChar char="•"/>
-              <a:tabLst/>
             </a:pPr>
             <a:r>
               <a:rPr kumimoji="0" lang="zh-CN" altLang="zh-CN" sz="1200" b="0" i="0" u="none" strike="noStrike" cap="none" normalizeH="0" baseline="0" dirty="0">
@@ -4444,7 +3952,6 @@
               <a:buSzTx/>
               <a:buFontTx/>
               <a:buAutoNum type="arabicPeriod" startAt="3"/>
-              <a:tabLst/>
             </a:pPr>
             <a:r>
               <a:rPr kumimoji="0" lang="zh-CN" altLang="zh-CN" sz="1200" b="1" i="0" u="none" strike="noStrike" cap="none" normalizeH="0" baseline="0" dirty="0">
@@ -4485,7 +3992,6 @@
               <a:buSzTx/>
               <a:buFontTx/>
               <a:buChar char="•"/>
-              <a:tabLst/>
             </a:pPr>
             <a:r>
               <a:rPr kumimoji="0" lang="zh-CN" altLang="zh-CN" sz="1200" b="0" i="0" u="none" strike="noStrike" cap="none" normalizeH="0" baseline="0" dirty="0">
@@ -4576,7 +4082,6 @@
               <a:buSzTx/>
               <a:buFontTx/>
               <a:buChar char="•"/>
-              <a:tabLst/>
             </a:pPr>
             <a:r>
               <a:rPr kumimoji="0" lang="zh-CN" altLang="zh-CN" sz="1200" b="0" i="0" u="none" strike="noStrike" cap="none" normalizeH="0" baseline="0" dirty="0">
@@ -4667,7 +4172,6 @@
               <a:buSzTx/>
               <a:buFontTx/>
               <a:buChar char="•"/>
-              <a:tabLst/>
             </a:pPr>
             <a:r>
               <a:rPr kumimoji="0" lang="zh-CN" altLang="zh-CN" sz="1200" b="0" i="0" u="none" strike="noStrike" cap="none" normalizeH="0" baseline="0" dirty="0">
@@ -4733,7 +4237,6 @@
               <a:buSzTx/>
               <a:buFontTx/>
               <a:buChar char="•"/>
-              <a:tabLst/>
             </a:pPr>
             <a:r>
               <a:rPr kumimoji="0" lang="zh-CN" altLang="zh-CN" sz="1200" b="0" i="0" u="none" strike="noStrike" cap="none" normalizeH="0" baseline="0" dirty="0">
@@ -4824,7 +4327,6 @@
               <a:buSzTx/>
               <a:buFontTx/>
               <a:buAutoNum type="arabicPeriod" startAt="4"/>
-              <a:tabLst/>
             </a:pPr>
             <a:r>
               <a:rPr kumimoji="0" lang="zh-CN" altLang="zh-CN" sz="1200" b="1" i="0" u="none" strike="noStrike" cap="none" normalizeH="0" baseline="0" dirty="0">
@@ -4865,7 +4367,6 @@
               <a:buSzTx/>
               <a:buFontTx/>
               <a:buChar char="•"/>
-              <a:tabLst/>
             </a:pPr>
             <a:r>
               <a:rPr kumimoji="0" lang="zh-CN" altLang="zh-CN" sz="1200" b="0" i="0" u="none" strike="noStrike" cap="none" normalizeH="0" baseline="0" dirty="0">
@@ -4956,7 +4457,6 @@
               <a:buSzTx/>
               <a:buFontTx/>
               <a:buChar char="•"/>
-              <a:tabLst/>
             </a:pPr>
             <a:r>
               <a:rPr kumimoji="0" lang="zh-CN" altLang="zh-CN" sz="1200" b="0" i="0" u="none" strike="noStrike" cap="none" normalizeH="0" baseline="0" dirty="0">
@@ -5009,7 +4509,6 @@
               <a:buSzTx/>
               <a:buFontTx/>
               <a:buChar char="•"/>
-              <a:tabLst/>
             </a:pPr>
             <a:r>
               <a:rPr kumimoji="0" lang="zh-CN" altLang="zh-CN" sz="1200" b="0" i="0" u="none" strike="noStrike" cap="none" normalizeH="0" baseline="0" dirty="0">
@@ -5075,7 +4574,6 @@
               <a:buSzTx/>
               <a:buFontTx/>
               <a:buChar char="•"/>
-              <a:tabLst/>
             </a:pPr>
             <a:r>
               <a:rPr kumimoji="0" lang="zh-CN" altLang="zh-CN" sz="1200" b="0" i="0" u="none" strike="noStrike" cap="none" normalizeH="0" baseline="0" dirty="0">
@@ -5166,7 +4664,6 @@
               <a:buSzTx/>
               <a:buFontTx/>
               <a:buAutoNum type="arabicPeriod" startAt="5"/>
-              <a:tabLst/>
             </a:pPr>
             <a:r>
               <a:rPr kumimoji="0" lang="zh-CN" altLang="zh-CN" sz="1200" b="1" i="0" u="none" strike="noStrike" cap="none" normalizeH="0" baseline="0" dirty="0">
@@ -5207,7 +4704,6 @@
               <a:buSzTx/>
               <a:buFontTx/>
               <a:buChar char="•"/>
-              <a:tabLst/>
             </a:pPr>
             <a:r>
               <a:rPr kumimoji="0" lang="zh-CN" altLang="zh-CN" sz="1200" b="0" i="0" u="none" strike="noStrike" cap="none" normalizeH="0" baseline="0" dirty="0">
@@ -5260,7 +4756,6 @@
               <a:buSzTx/>
               <a:buFontTx/>
               <a:buChar char="•"/>
-              <a:tabLst/>
             </a:pPr>
             <a:r>
               <a:rPr kumimoji="0" lang="zh-CN" altLang="zh-CN" sz="1200" b="0" i="0" u="none" strike="noStrike" cap="none" normalizeH="0" baseline="0" dirty="0">
@@ -5326,7 +4821,6 @@
               <a:buSzTx/>
               <a:buFontTx/>
               <a:buNone/>
-              <a:tabLst/>
             </a:pPr>
             <a:endParaRPr kumimoji="0" lang="zh-CN" altLang="zh-CN" sz="1200" b="0" i="0" u="none" strike="noStrike" cap="none" normalizeH="0" baseline="0" dirty="0">
               <a:ln>
@@ -5342,11 +4836,6 @@
         </p:txBody>
       </p:sp>
     </p:spTree>
-    <p:extLst>
-      <p:ext uri="{BB962C8B-B14F-4D97-AF65-F5344CB8AC3E}">
-        <p14:creationId xmlns:p14="http://schemas.microsoft.com/office/powerpoint/2010/main" val="107064549"/>
-      </p:ext>
-    </p:extLst>
   </p:cSld>
   <p:clrMapOvr>
     <a:masterClrMapping/>
@@ -5373,13 +4862,7 @@
       </p:grpSpPr>
       <p:sp>
         <p:nvSpPr>
-          <p:cNvPr id="2" name="标题 1">
-            <a:extLst>
-              <a:ext uri="{FF2B5EF4-FFF2-40B4-BE49-F238E27FC236}">
-                <a16:creationId xmlns:a16="http://schemas.microsoft.com/office/drawing/2014/main" id="{AF178C0B-0153-C68F-3487-08338ECDCF19}"/>
-              </a:ext>
-            </a:extLst>
-          </p:cNvPr>
+          <p:cNvPr id="2" name="标题 1"/>
           <p:cNvSpPr>
             <a:spLocks noGrp="1"/>
           </p:cNvSpPr>
@@ -5408,13 +4891,7 @@
       </p:sp>
       <p:sp>
         <p:nvSpPr>
-          <p:cNvPr id="3" name="内容占位符 2">
-            <a:extLst>
-              <a:ext uri="{FF2B5EF4-FFF2-40B4-BE49-F238E27FC236}">
-                <a16:creationId xmlns:a16="http://schemas.microsoft.com/office/drawing/2014/main" id="{E52CCCA1-07C8-46C1-61F1-5912B2F2DAE8}"/>
-              </a:ext>
-            </a:extLst>
-          </p:cNvPr>
+          <p:cNvPr id="3" name="内容占位符 2"/>
           <p:cNvSpPr>
             <a:spLocks noGrp="1"/>
           </p:cNvSpPr>
@@ -5435,11 +4912,6 @@
         </p:txBody>
       </p:sp>
     </p:spTree>
-    <p:extLst>
-      <p:ext uri="{BB962C8B-B14F-4D97-AF65-F5344CB8AC3E}">
-        <p14:creationId xmlns:p14="http://schemas.microsoft.com/office/powerpoint/2010/main" val="3421924316"/>
-      </p:ext>
-    </p:extLst>
   </p:cSld>
   <p:clrMapOvr>
     <a:masterClrMapping/>
@@ -5466,13 +4938,7 @@
       </p:grpSpPr>
       <p:sp>
         <p:nvSpPr>
-          <p:cNvPr id="2" name="标题 1">
-            <a:extLst>
-              <a:ext uri="{FF2B5EF4-FFF2-40B4-BE49-F238E27FC236}">
-                <a16:creationId xmlns:a16="http://schemas.microsoft.com/office/drawing/2014/main" id="{0BE30F23-D0D4-3938-BD62-87238484BE1D}"/>
-              </a:ext>
-            </a:extLst>
-          </p:cNvPr>
+          <p:cNvPr id="2" name="标题 1"/>
           <p:cNvSpPr>
             <a:spLocks noGrp="1"/>
           </p:cNvSpPr>
@@ -5494,13 +4960,7 @@
       </p:sp>
       <p:sp>
         <p:nvSpPr>
-          <p:cNvPr id="4" name="Rectangle 1">
-            <a:extLst>
-              <a:ext uri="{FF2B5EF4-FFF2-40B4-BE49-F238E27FC236}">
-                <a16:creationId xmlns:a16="http://schemas.microsoft.com/office/drawing/2014/main" id="{F332FCF2-4D6E-04EC-6CDC-A1C8CD5AE9A1}"/>
-              </a:ext>
-            </a:extLst>
-          </p:cNvPr>
+          <p:cNvPr id="4" name="Rectangle 1"/>
           <p:cNvSpPr>
             <a:spLocks noGrp="1" noChangeArrowheads="1"/>
           </p:cNvSpPr>
@@ -5552,9 +5012,6 @@
         </p:spPr>
         <p:txBody>
           <a:bodyPr vert="horz" wrap="none" lIns="91440" tIns="45720" rIns="91440" bIns="45720" numCol="1" anchor="ctr" anchorCtr="0" compatLnSpc="1">
-            <a:prstTxWarp prst="textNoShape">
-              <a:avLst/>
-            </a:prstTxWarp>
             <a:spAutoFit/>
           </a:bodyPr>
           <a:lstStyle/>
@@ -5573,7 +5030,6 @@
               <a:buSzTx/>
               <a:buFontTx/>
               <a:buNone/>
-              <a:tabLst/>
             </a:pPr>
             <a:r>
               <a:rPr kumimoji="0" lang="zh-CN" altLang="zh-CN" sz="1400" b="0" i="0" u="none" strike="noStrike" cap="none" normalizeH="0" baseline="0" dirty="0">
@@ -5639,7 +5095,6 @@
               <a:buSzTx/>
               <a:buFontTx/>
               <a:buNone/>
-              <a:tabLst/>
             </a:pPr>
             <a:r>
               <a:rPr kumimoji="0" lang="zh-CN" altLang="zh-CN" sz="1400" b="1" i="0" u="none" strike="noStrike" cap="none" normalizeH="0" baseline="0" dirty="0">
@@ -5683,7 +5138,6 @@
               <a:buSzTx/>
               <a:buFontTx/>
               <a:buAutoNum type="arabicPeriod"/>
-              <a:tabLst/>
             </a:pPr>
             <a:r>
               <a:rPr kumimoji="0" lang="zh-CN" altLang="zh-CN" sz="1400" b="0" i="0" u="none" strike="noStrike" cap="none" normalizeH="0" baseline="0" dirty="0">
@@ -5824,7 +5278,6 @@
               <a:buSzTx/>
               <a:buFontTx/>
               <a:buAutoNum type="arabicPeriod" startAt="2"/>
-              <a:tabLst/>
             </a:pPr>
             <a:r>
               <a:rPr kumimoji="0" lang="zh-CN" altLang="zh-CN" sz="1400" b="0" i="0" u="none" strike="noStrike" cap="none" normalizeH="0" baseline="0" dirty="0">
@@ -5965,7 +5418,6 @@
               <a:buSzTx/>
               <a:buFontTx/>
               <a:buAutoNum type="arabicPeriod" startAt="3"/>
-              <a:tabLst/>
             </a:pPr>
             <a:r>
               <a:rPr kumimoji="0" lang="zh-CN" altLang="zh-CN" sz="1400" b="0" i="0" u="none" strike="noStrike" cap="none" normalizeH="0" baseline="0" dirty="0">
@@ -6106,7 +5558,6 @@
               <a:buSzTx/>
               <a:buFontTx/>
               <a:buAutoNum type="arabicPeriod" startAt="4"/>
-              <a:tabLst/>
             </a:pPr>
             <a:r>
               <a:rPr kumimoji="0" lang="zh-CN" altLang="zh-CN" sz="1400" b="0" i="0" u="none" strike="noStrike" cap="none" normalizeH="0" baseline="0" dirty="0">
@@ -6247,7 +5698,6 @@
               <a:buSzTx/>
               <a:buFontTx/>
               <a:buChar char="•"/>
-              <a:tabLst/>
             </a:pPr>
             <a:r>
               <a:rPr kumimoji="0" lang="zh-CN" altLang="zh-CN" sz="1400" b="0" i="0" u="none" strike="noStrike" cap="none" normalizeH="0" baseline="0" dirty="0">
@@ -6338,7 +5788,6 @@
               <a:buSzTx/>
               <a:buFontTx/>
               <a:buNone/>
-              <a:tabLst/>
             </a:pPr>
             <a:r>
               <a:rPr kumimoji="0" lang="zh-CN" altLang="zh-CN" sz="1400" b="1" i="0" u="none" strike="noStrike" cap="none" normalizeH="0" baseline="0" dirty="0">
@@ -6417,7 +5866,6 @@
               <a:buSzTx/>
               <a:buFontTx/>
               <a:buAutoNum type="arabicPeriod"/>
-              <a:tabLst/>
             </a:pPr>
             <a:r>
               <a:rPr kumimoji="0" lang="zh-CN" altLang="zh-CN" sz="1400" b="0" i="0" u="none" strike="noStrike" cap="none" normalizeH="0" baseline="0" dirty="0">
@@ -6558,7 +6006,6 @@
               <a:buSzTx/>
               <a:buFontTx/>
               <a:buAutoNum type="arabicPeriod" startAt="2"/>
-              <a:tabLst/>
             </a:pPr>
             <a:r>
               <a:rPr kumimoji="0" lang="zh-CN" altLang="zh-CN" sz="1400" b="0" i="0" u="none" strike="noStrike" cap="none" normalizeH="0" baseline="0" dirty="0">
@@ -6699,7 +6146,6 @@
               <a:buSzTx/>
               <a:buFontTx/>
               <a:buAutoNum type="arabicPeriod" startAt="3"/>
-              <a:tabLst/>
             </a:pPr>
             <a:r>
               <a:rPr kumimoji="0" lang="zh-CN" altLang="zh-CN" sz="1400" b="0" i="0" u="none" strike="noStrike" cap="none" normalizeH="0" baseline="0" dirty="0">
@@ -6840,7 +6286,6 @@
               <a:buSzTx/>
               <a:buFontTx/>
               <a:buChar char="•"/>
-              <a:tabLst/>
             </a:pPr>
             <a:r>
               <a:rPr kumimoji="0" lang="zh-CN" altLang="zh-CN" sz="1400" b="0" i="0" u="none" strike="noStrike" cap="none" normalizeH="0" baseline="0" dirty="0">
@@ -6906,7 +6351,6 @@
               <a:buSzTx/>
               <a:buFontTx/>
               <a:buNone/>
-              <a:tabLst/>
             </a:pPr>
             <a:r>
               <a:rPr kumimoji="0" lang="zh-CN" altLang="zh-CN" sz="1400" b="1" i="0" u="none" strike="noStrike" cap="none" normalizeH="0" baseline="0" dirty="0">
@@ -6985,7 +6429,6 @@
               <a:buSzTx/>
               <a:buFontTx/>
               <a:buAutoNum type="arabicPeriod"/>
-              <a:tabLst/>
             </a:pPr>
             <a:r>
               <a:rPr kumimoji="0" lang="zh-CN" altLang="zh-CN" sz="1400" b="0" i="0" u="none" strike="noStrike" cap="none" normalizeH="0" baseline="0" dirty="0">
@@ -7126,7 +6569,6 @@
               <a:buSzTx/>
               <a:buFontTx/>
               <a:buAutoNum type="arabicPeriod" startAt="2"/>
-              <a:tabLst/>
             </a:pPr>
             <a:r>
               <a:rPr kumimoji="0" lang="zh-CN" altLang="zh-CN" sz="1400" b="0" i="0" u="none" strike="noStrike" cap="none" normalizeH="0" baseline="0" dirty="0">
@@ -7267,7 +6709,6 @@
               <a:buSzTx/>
               <a:buFontTx/>
               <a:buChar char="•"/>
-              <a:tabLst/>
             </a:pPr>
             <a:r>
               <a:rPr kumimoji="0" lang="zh-CN" altLang="zh-CN" sz="1400" b="0" i="0" u="none" strike="noStrike" cap="none" normalizeH="0" baseline="0" dirty="0">
@@ -7333,7 +6774,6 @@
               <a:buSzTx/>
               <a:buFontTx/>
               <a:buNone/>
-              <a:tabLst/>
             </a:pPr>
             <a:r>
               <a:rPr kumimoji="0" lang="zh-CN" altLang="zh-CN" sz="1400" b="1" i="0" u="none" strike="noStrike" cap="none" normalizeH="0" baseline="0" dirty="0">
@@ -7412,7 +6852,6 @@
               <a:buSzTx/>
               <a:buFontTx/>
               <a:buAutoNum type="arabicPeriod"/>
-              <a:tabLst/>
             </a:pPr>
             <a:r>
               <a:rPr kumimoji="0" lang="zh-CN" altLang="zh-CN" sz="1400" b="0" i="0" u="none" strike="noStrike" cap="none" normalizeH="0" baseline="0" dirty="0">
@@ -7553,7 +6992,6 @@
               <a:buSzTx/>
               <a:buFontTx/>
               <a:buChar char="•"/>
-              <a:tabLst/>
             </a:pPr>
             <a:r>
               <a:rPr kumimoji="0" lang="zh-CN" altLang="zh-CN" sz="1400" b="0" i="0" u="none" strike="noStrike" cap="none" normalizeH="0" baseline="0" dirty="0">
@@ -7619,7 +7057,6 @@
               <a:buSzTx/>
               <a:buFontTx/>
               <a:buChar char="•"/>
-              <a:tabLst/>
             </a:pPr>
             <a:r>
               <a:rPr kumimoji="0" lang="zh-CN" altLang="zh-CN" sz="1400" b="0" i="0" u="none" strike="noStrike" cap="none" normalizeH="0" baseline="0" dirty="0">
@@ -7685,7 +7122,6 @@
               <a:buSzTx/>
               <a:buFontTx/>
               <a:buNone/>
-              <a:tabLst/>
             </a:pPr>
             <a:endParaRPr kumimoji="0" lang="zh-CN" altLang="zh-CN" sz="1400" b="0" i="0" u="none" strike="noStrike" cap="none" normalizeH="0" baseline="0" dirty="0">
               <a:ln>
@@ -7701,11 +7137,6 @@
         </p:txBody>
       </p:sp>
     </p:spTree>
-    <p:extLst>
-      <p:ext uri="{BB962C8B-B14F-4D97-AF65-F5344CB8AC3E}">
-        <p14:creationId xmlns:p14="http://schemas.microsoft.com/office/powerpoint/2010/main" val="2822984926"/>
-      </p:ext>
-    </p:extLst>
   </p:cSld>
   <p:clrMapOvr>
     <a:masterClrMapping/>
@@ -7732,13 +7163,7 @@
       </p:grpSpPr>
       <p:sp>
         <p:nvSpPr>
-          <p:cNvPr id="2" name="标题 1">
-            <a:extLst>
-              <a:ext uri="{FF2B5EF4-FFF2-40B4-BE49-F238E27FC236}">
-                <a16:creationId xmlns:a16="http://schemas.microsoft.com/office/drawing/2014/main" id="{6E4D80BC-F2C7-07CD-38A2-9A1E833B97CD}"/>
-              </a:ext>
-            </a:extLst>
-          </p:cNvPr>
+          <p:cNvPr id="2" name="标题 1"/>
           <p:cNvSpPr>
             <a:spLocks noGrp="1"/>
           </p:cNvSpPr>
@@ -7765,13 +7190,7 @@
       </p:sp>
       <p:sp>
         <p:nvSpPr>
-          <p:cNvPr id="3" name="内容占位符 2">
-            <a:extLst>
-              <a:ext uri="{FF2B5EF4-FFF2-40B4-BE49-F238E27FC236}">
-                <a16:creationId xmlns:a16="http://schemas.microsoft.com/office/drawing/2014/main" id="{E7E82D6A-DDEE-A314-EE14-13ECEF95DCA0}"/>
-              </a:ext>
-            </a:extLst>
-          </p:cNvPr>
+          <p:cNvPr id="3" name="内容占位符 2"/>
           <p:cNvSpPr>
             <a:spLocks noGrp="1"/>
           </p:cNvSpPr>
@@ -7792,11 +7211,6 @@
         </p:txBody>
       </p:sp>
     </p:spTree>
-    <p:extLst>
-      <p:ext uri="{BB962C8B-B14F-4D97-AF65-F5344CB8AC3E}">
-        <p14:creationId xmlns:p14="http://schemas.microsoft.com/office/powerpoint/2010/main" val="3368446902"/>
-      </p:ext>
-    </p:extLst>
   </p:cSld>
   <p:clrMapOvr>
     <a:masterClrMapping/>
@@ -7823,13 +7237,7 @@
       </p:grpSpPr>
       <p:sp>
         <p:nvSpPr>
-          <p:cNvPr id="2" name="标题 1">
-            <a:extLst>
-              <a:ext uri="{FF2B5EF4-FFF2-40B4-BE49-F238E27FC236}">
-                <a16:creationId xmlns:a16="http://schemas.microsoft.com/office/drawing/2014/main" id="{25ECFBC8-B897-0187-7D06-7BE97A8C213A}"/>
-              </a:ext>
-            </a:extLst>
-          </p:cNvPr>
+          <p:cNvPr id="2" name="标题 1"/>
           <p:cNvSpPr>
             <a:spLocks noGrp="1"/>
           </p:cNvSpPr>
@@ -7851,13 +7259,7 @@
       </p:sp>
       <p:sp>
         <p:nvSpPr>
-          <p:cNvPr id="4" name="Rectangle 1">
-            <a:extLst>
-              <a:ext uri="{FF2B5EF4-FFF2-40B4-BE49-F238E27FC236}">
-                <a16:creationId xmlns:a16="http://schemas.microsoft.com/office/drawing/2014/main" id="{73998B5A-B5C6-FC13-F2B8-2BD2AB8B0ABD}"/>
-              </a:ext>
-            </a:extLst>
-          </p:cNvPr>
+          <p:cNvPr id="4" name="Rectangle 1"/>
           <p:cNvSpPr>
             <a:spLocks noGrp="1" noChangeArrowheads="1"/>
           </p:cNvSpPr>
@@ -7909,9 +7311,6 @@
         </p:spPr>
         <p:txBody>
           <a:bodyPr vert="horz" wrap="square" lIns="91440" tIns="45720" rIns="91440" bIns="45720" numCol="1" anchor="ctr" anchorCtr="0" compatLnSpc="1">
-            <a:prstTxWarp prst="textNoShape">
-              <a:avLst/>
-            </a:prstTxWarp>
             <a:spAutoFit/>
           </a:bodyPr>
           <a:lstStyle/>
@@ -7930,7 +7329,6 @@
               <a:buSzTx/>
               <a:buFontTx/>
               <a:buNone/>
-              <a:tabLst/>
             </a:pPr>
             <a:r>
               <a:rPr kumimoji="0" lang="zh-CN" altLang="zh-CN" sz="800" b="0" i="0" u="none" strike="noStrike" cap="none" normalizeH="0" baseline="0" dirty="0">
@@ -7996,7 +7394,6 @@
               <a:buSzTx/>
               <a:buFontTx/>
               <a:buAutoNum type="arabicPeriod"/>
-              <a:tabLst/>
             </a:pPr>
             <a:r>
               <a:rPr kumimoji="0" lang="zh-CN" altLang="zh-CN" sz="800" b="1" i="0" u="none" strike="noStrike" cap="none" normalizeH="0" baseline="0" dirty="0">
@@ -8075,7 +7472,6 @@
               <a:buSzTx/>
               <a:buFontTx/>
               <a:buChar char="•"/>
-              <a:tabLst/>
             </a:pPr>
             <a:r>
               <a:rPr kumimoji="0" lang="zh-CN" altLang="zh-CN" sz="800" b="0" i="0" u="none" strike="noStrike" cap="none" normalizeH="0" baseline="0" dirty="0">
@@ -8128,7 +7524,6 @@
               <a:buSzTx/>
               <a:buFontTx/>
               <a:buChar char="•"/>
-              <a:tabLst/>
             </a:pPr>
             <a:r>
               <a:rPr kumimoji="0" lang="zh-CN" altLang="zh-CN" sz="800" b="0" i="0" u="none" strike="noStrike" cap="none" normalizeH="0" baseline="0" dirty="0">
@@ -8181,7 +7576,6 @@
               <a:buSzTx/>
               <a:buFontTx/>
               <a:buAutoNum type="arabicPeriod" startAt="2"/>
-              <a:tabLst/>
             </a:pPr>
             <a:r>
               <a:rPr kumimoji="0" lang="zh-CN" altLang="zh-CN" sz="800" b="1" i="0" u="none" strike="noStrike" cap="none" normalizeH="0" baseline="0" dirty="0">
@@ -8247,7 +7641,6 @@
               <a:buSzTx/>
               <a:buFontTx/>
               <a:buChar char="•"/>
-              <a:tabLst/>
             </a:pPr>
             <a:r>
               <a:rPr kumimoji="0" lang="zh-CN" altLang="zh-CN" sz="800" b="0" i="0" u="none" strike="noStrike" cap="none" normalizeH="0" baseline="0" dirty="0">
@@ -8313,7 +7706,6 @@
               <a:buSzTx/>
               <a:buFontTx/>
               <a:buChar char="•"/>
-              <a:tabLst/>
             </a:pPr>
             <a:r>
               <a:rPr kumimoji="0" lang="zh-CN" altLang="zh-CN" sz="800" b="0" i="0" u="none" strike="noStrike" cap="none" normalizeH="0" baseline="0" dirty="0">
@@ -8404,7 +7796,6 @@
               <a:buSzTx/>
               <a:buFontTx/>
               <a:buChar char="•"/>
-              <a:tabLst/>
             </a:pPr>
             <a:r>
               <a:rPr kumimoji="0" lang="zh-CN" altLang="zh-CN" sz="800" b="0" i="0" u="none" strike="noStrike" cap="none" normalizeH="0" baseline="0" dirty="0">
@@ -8507,7 +7898,6 @@
               <a:buSzTx/>
               <a:buFontTx/>
               <a:buChar char="•"/>
-              <a:tabLst/>
             </a:pPr>
             <a:r>
               <a:rPr kumimoji="0" lang="zh-CN" altLang="zh-CN" sz="800" b="0" i="0" u="none" strike="noStrike" cap="none" normalizeH="0" baseline="0" dirty="0">
@@ -8585,7 +7975,6 @@
               <a:buSzTx/>
               <a:buFontTx/>
               <a:buChar char="•"/>
-              <a:tabLst/>
             </a:pPr>
             <a:r>
               <a:rPr kumimoji="0" lang="zh-CN" altLang="zh-CN" sz="800" b="0" i="0" u="none" strike="noStrike" cap="none" normalizeH="0" baseline="0" dirty="0">
@@ -8651,7 +8040,6 @@
               <a:buSzTx/>
               <a:buFontTx/>
               <a:buChar char="•"/>
-              <a:tabLst/>
             </a:pPr>
             <a:r>
               <a:rPr kumimoji="0" lang="zh-CN" altLang="zh-CN" sz="800" b="0" i="0" u="none" strike="noStrike" cap="none" normalizeH="0" baseline="0" dirty="0">
@@ -8704,7 +8092,6 @@
               <a:buSzTx/>
               <a:buFontTx/>
               <a:buChar char="•"/>
-              <a:tabLst/>
             </a:pPr>
             <a:r>
               <a:rPr kumimoji="0" lang="zh-CN" altLang="zh-CN" sz="800" b="0" i="0" u="none" strike="noStrike" cap="none" normalizeH="0" baseline="0" dirty="0">
@@ -8757,7 +8144,6 @@
               <a:buSzTx/>
               <a:buFontTx/>
               <a:buAutoNum type="arabicPeriod" startAt="3"/>
-              <a:tabLst/>
             </a:pPr>
             <a:r>
               <a:rPr kumimoji="0" lang="zh-CN" altLang="zh-CN" sz="800" b="1" i="0" u="none" strike="noStrike" cap="none" normalizeH="0" baseline="0" dirty="0">
@@ -8823,7 +8209,6 @@
               <a:buSzTx/>
               <a:buFontTx/>
               <a:buChar char="•"/>
-              <a:tabLst/>
             </a:pPr>
             <a:r>
               <a:rPr kumimoji="0" lang="zh-CN" altLang="zh-CN" sz="800" b="0" i="0" u="none" strike="noStrike" cap="none" normalizeH="0" baseline="0" dirty="0">
@@ -8889,7 +8274,6 @@
               <a:buSzTx/>
               <a:buFontTx/>
               <a:buChar char="•"/>
-              <a:tabLst/>
             </a:pPr>
             <a:r>
               <a:rPr kumimoji="0" lang="zh-CN" altLang="zh-CN" sz="800" b="0" i="0" u="none" strike="noStrike" cap="none" normalizeH="0" baseline="0" dirty="0">
@@ -8980,7 +8364,6 @@
               <a:buSzTx/>
               <a:buFontTx/>
               <a:buChar char="•"/>
-              <a:tabLst/>
             </a:pPr>
             <a:r>
               <a:rPr kumimoji="0" lang="zh-CN" altLang="zh-CN" sz="800" b="0" i="0" u="none" strike="noStrike" cap="none" normalizeH="0" baseline="0" dirty="0">
@@ -9108,7 +8491,6 @@
               <a:buSzTx/>
               <a:buFontTx/>
               <a:buChar char="•"/>
-              <a:tabLst/>
             </a:pPr>
             <a:r>
               <a:rPr kumimoji="0" lang="zh-CN" altLang="zh-CN" sz="800" b="0" i="0" u="none" strike="noStrike" cap="none" normalizeH="0" baseline="0" dirty="0">
@@ -9174,7 +8556,6 @@
               <a:buSzTx/>
               <a:buFontTx/>
               <a:buChar char="•"/>
-              <a:tabLst/>
             </a:pPr>
             <a:r>
               <a:rPr kumimoji="0" lang="zh-CN" altLang="zh-CN" sz="800" b="0" i="0" u="none" strike="noStrike" cap="none" normalizeH="0" baseline="0" dirty="0">
@@ -9227,7 +8608,6 @@
               <a:buSzTx/>
               <a:buFontTx/>
               <a:buChar char="•"/>
-              <a:tabLst/>
             </a:pPr>
             <a:r>
               <a:rPr kumimoji="0" lang="zh-CN" altLang="zh-CN" sz="800" b="0" i="0" u="none" strike="noStrike" cap="none" normalizeH="0" baseline="0" dirty="0">
@@ -9280,7 +8660,6 @@
               <a:buSzTx/>
               <a:buFontTx/>
               <a:buAutoNum type="arabicPeriod" startAt="4"/>
-              <a:tabLst/>
             </a:pPr>
             <a:r>
               <a:rPr kumimoji="0" lang="zh-CN" altLang="zh-CN" sz="800" b="1" i="0" u="none" strike="noStrike" cap="none" normalizeH="0" baseline="0" dirty="0">
@@ -9346,7 +8725,6 @@
               <a:buSzTx/>
               <a:buFontTx/>
               <a:buChar char="•"/>
-              <a:tabLst/>
             </a:pPr>
             <a:r>
               <a:rPr kumimoji="0" lang="zh-CN" altLang="zh-CN" sz="800" b="0" i="0" u="none" strike="noStrike" cap="none" normalizeH="0" baseline="0" dirty="0">
@@ -9412,7 +8790,6 @@
               <a:buSzTx/>
               <a:buFontTx/>
               <a:buChar char="•"/>
-              <a:tabLst/>
             </a:pPr>
             <a:r>
               <a:rPr kumimoji="0" lang="zh-CN" altLang="zh-CN" sz="800" b="0" i="0" u="none" strike="noStrike" cap="none" normalizeH="0" baseline="0" dirty="0">
@@ -9503,7 +8880,6 @@
               <a:buSzTx/>
               <a:buFontTx/>
               <a:buChar char="•"/>
-              <a:tabLst/>
             </a:pPr>
             <a:r>
               <a:rPr kumimoji="0" lang="zh-CN" altLang="zh-CN" sz="800" b="0" i="0" u="none" strike="noStrike" cap="none" normalizeH="0" baseline="0" dirty="0">
@@ -9618,7 +8994,6 @@
               <a:buSzTx/>
               <a:buFontTx/>
               <a:buChar char="•"/>
-              <a:tabLst/>
             </a:pPr>
             <a:r>
               <a:rPr kumimoji="0" lang="zh-CN" altLang="zh-CN" sz="800" b="0" i="0" u="none" strike="noStrike" cap="none" normalizeH="0" baseline="0" dirty="0">
@@ -9733,7 +9108,6 @@
               <a:buSzTx/>
               <a:buFontTx/>
               <a:buChar char="•"/>
-              <a:tabLst/>
             </a:pPr>
             <a:r>
               <a:rPr kumimoji="0" lang="zh-CN" altLang="zh-CN" sz="800" b="0" i="0" u="none" strike="noStrike" cap="none" normalizeH="0" baseline="0" dirty="0">
@@ -9848,7 +9222,6 @@
               <a:buSzTx/>
               <a:buFontTx/>
               <a:buChar char="•"/>
-              <a:tabLst/>
             </a:pPr>
             <a:r>
               <a:rPr kumimoji="0" lang="zh-CN" altLang="zh-CN" sz="800" b="0" i="0" u="none" strike="noStrike" cap="none" normalizeH="0" baseline="0" dirty="0">
@@ -9901,7 +9274,6 @@
               <a:buSzTx/>
               <a:buFontTx/>
               <a:buChar char="•"/>
-              <a:tabLst/>
             </a:pPr>
             <a:r>
               <a:rPr kumimoji="0" lang="zh-CN" altLang="zh-CN" sz="800" b="0" i="0" u="none" strike="noStrike" cap="none" normalizeH="0" baseline="0" dirty="0">
@@ -9967,7 +9339,6 @@
               <a:buSzTx/>
               <a:buFontTx/>
               <a:buChar char="•"/>
-              <a:tabLst/>
             </a:pPr>
             <a:r>
               <a:rPr kumimoji="0" lang="zh-CN" altLang="zh-CN" sz="800" b="0" i="0" u="none" strike="noStrike" cap="none" normalizeH="0" baseline="0" dirty="0">
@@ -10020,7 +9391,6 @@
               <a:buSzTx/>
               <a:buFontTx/>
               <a:buChar char="•"/>
-              <a:tabLst/>
             </a:pPr>
             <a:r>
               <a:rPr kumimoji="0" lang="zh-CN" altLang="zh-CN" sz="800" b="0" i="0" u="none" strike="noStrike" cap="none" normalizeH="0" baseline="0" dirty="0">
@@ -10073,7 +9443,6 @@
               <a:buSzTx/>
               <a:buFontTx/>
               <a:buAutoNum type="arabicPeriod" startAt="5"/>
-              <a:tabLst/>
             </a:pPr>
             <a:r>
               <a:rPr kumimoji="0" lang="zh-CN" altLang="zh-CN" sz="800" b="1" i="0" u="none" strike="noStrike" cap="none" normalizeH="0" baseline="0" dirty="0">
@@ -10139,7 +9508,6 @@
               <a:buSzTx/>
               <a:buFontTx/>
               <a:buChar char="•"/>
-              <a:tabLst/>
             </a:pPr>
             <a:r>
               <a:rPr kumimoji="0" lang="zh-CN" altLang="zh-CN" sz="800" b="0" i="0" u="none" strike="noStrike" cap="none" normalizeH="0" baseline="0" dirty="0">
@@ -10205,7 +9573,6 @@
               <a:buSzTx/>
               <a:buFontTx/>
               <a:buChar char="•"/>
-              <a:tabLst/>
             </a:pPr>
             <a:r>
               <a:rPr kumimoji="0" lang="zh-CN" altLang="zh-CN" sz="800" b="0" i="0" u="none" strike="noStrike" cap="none" normalizeH="0" baseline="0" dirty="0">
@@ -10296,7 +9663,6 @@
               <a:buSzTx/>
               <a:buFontTx/>
               <a:buChar char="•"/>
-              <a:tabLst/>
             </a:pPr>
             <a:r>
               <a:rPr kumimoji="0" lang="zh-CN" altLang="zh-CN" sz="800" b="0" i="0" u="none" strike="noStrike" cap="none" normalizeH="0" baseline="0" dirty="0">
@@ -10424,7 +9790,6 @@
               <a:buSzTx/>
               <a:buFontTx/>
               <a:buChar char="•"/>
-              <a:tabLst/>
             </a:pPr>
             <a:r>
               <a:rPr kumimoji="0" lang="zh-CN" altLang="zh-CN" sz="800" b="0" i="0" u="none" strike="noStrike" cap="none" normalizeH="0" baseline="0" dirty="0">
@@ -10490,7 +9855,6 @@
               <a:buSzTx/>
               <a:buFontTx/>
               <a:buChar char="•"/>
-              <a:tabLst/>
             </a:pPr>
             <a:r>
               <a:rPr kumimoji="0" lang="zh-CN" altLang="zh-CN" sz="800" b="0" i="0" u="none" strike="noStrike" cap="none" normalizeH="0" baseline="0" dirty="0">
@@ -10543,7 +9907,6 @@
               <a:buSzTx/>
               <a:buFontTx/>
               <a:buChar char="•"/>
-              <a:tabLst/>
             </a:pPr>
             <a:r>
               <a:rPr kumimoji="0" lang="zh-CN" altLang="zh-CN" sz="800" b="0" i="0" u="none" strike="noStrike" cap="none" normalizeH="0" baseline="0" dirty="0">
@@ -10596,7 +9959,6 @@
               <a:buSzTx/>
               <a:buFontTx/>
               <a:buChar char="•"/>
-              <a:tabLst/>
             </a:pPr>
             <a:r>
               <a:rPr kumimoji="0" lang="zh-CN" altLang="zh-CN" sz="800" b="0" i="0" u="none" strike="noStrike" cap="none" normalizeH="0" baseline="0" dirty="0">
@@ -10662,7 +10024,6 @@
               <a:buSzTx/>
               <a:buFontTx/>
               <a:buNone/>
-              <a:tabLst/>
             </a:pPr>
             <a:endParaRPr kumimoji="0" lang="zh-CN" altLang="zh-CN" sz="800" b="0" i="0" u="none" strike="noStrike" cap="none" normalizeH="0" baseline="0" dirty="0">
               <a:ln>
@@ -10678,11 +10039,116 @@
         </p:txBody>
       </p:sp>
     </p:spTree>
-    <p:extLst>
-      <p:ext uri="{BB962C8B-B14F-4D97-AF65-F5344CB8AC3E}">
-        <p14:creationId xmlns:p14="http://schemas.microsoft.com/office/powerpoint/2010/main" val="3713313774"/>
-      </p:ext>
-    </p:extLst>
+  </p:cSld>
+  <p:clrMapOvr>
+    <a:masterClrMapping/>
+  </p:clrMapOvr>
+</p:sld>
+</file>
+
+<file path=ppt/slides/slide8.xml><?xml version="1.0" encoding="utf-8"?>
+<p:sld xmlns:a="http://schemas.openxmlformats.org/drawingml/2006/main" xmlns:r="http://schemas.openxmlformats.org/officeDocument/2006/relationships" xmlns:p="http://schemas.openxmlformats.org/presentationml/2006/main">
+  <p:cSld>
+    <p:spTree>
+      <p:nvGrpSpPr>
+        <p:cNvPr id="1" name=""/>
+        <p:cNvGrpSpPr/>
+        <p:nvPr/>
+      </p:nvGrpSpPr>
+      <p:grpSpPr>
+        <a:xfrm>
+          <a:off x="0" y="0"/>
+          <a:ext cx="0" cy="0"/>
+          <a:chOff x="0" y="0"/>
+          <a:chExt cx="0" cy="0"/>
+        </a:xfrm>
+      </p:grpSpPr>
+      <p:sp>
+        <p:nvSpPr>
+          <p:cNvPr id="2" name="标题 1"/>
+          <p:cNvSpPr>
+            <a:spLocks noGrp="1"/>
+          </p:cNvSpPr>
+          <p:nvPr>
+            <p:ph type="title"/>
+          </p:nvPr>
+        </p:nvSpPr>
+        <p:spPr/>
+        <p:txBody>
+          <a:bodyPr/>
+          <a:lstStyle/>
+          <a:p>
+            <a:r>
+              <a:rPr lang="zh-CN" altLang="en-US"/>
+              <a:t>模板题</a:t>
+            </a:r>
+          </a:p>
+        </p:txBody>
+      </p:sp>
+      <p:sp>
+        <p:nvSpPr>
+          <p:cNvPr id="3" name="内容占位符 2"/>
+          <p:cNvSpPr>
+            <a:spLocks noGrp="1"/>
+          </p:cNvSpPr>
+          <p:nvPr>
+            <p:ph idx="1"/>
+          </p:nvPr>
+        </p:nvSpPr>
+        <p:spPr/>
+        <p:txBody>
+          <a:bodyPr/>
+          <a:lstStyle/>
+          <a:p>
+            <a:r>
+              <a:rPr lang="zh-CN" altLang="en-US" dirty="0"/>
+              <a:t>（</a:t>
+            </a:r>
+            <a:r>
+              <a:rPr lang="en-US" altLang="zh-CN" dirty="0">
+                <a:hlinkClick r:id="rId2"/>
+              </a:rPr>
+              <a:t>P1177 【</a:t>
+            </a:r>
+            <a:r>
+              <a:rPr lang="zh-CN" altLang="en-US" dirty="0">
+                <a:hlinkClick r:id="rId2"/>
+              </a:rPr>
+              <a:t>模板</a:t>
+            </a:r>
+            <a:r>
+              <a:rPr lang="en-US" altLang="zh-CN" dirty="0">
+                <a:hlinkClick r:id="rId2"/>
+              </a:rPr>
+              <a:t>】</a:t>
+            </a:r>
+            <a:r>
+              <a:rPr lang="zh-CN" altLang="en-US" dirty="0">
+                <a:hlinkClick r:id="rId2"/>
+              </a:rPr>
+              <a:t>排序 </a:t>
+            </a:r>
+            <a:r>
+              <a:rPr lang="en-US" altLang="zh-CN" dirty="0">
+                <a:hlinkClick r:id="rId2"/>
+              </a:rPr>
+              <a:t>- </a:t>
+            </a:r>
+            <a:r>
+              <a:rPr lang="zh-CN" altLang="en-US">
+                <a:hlinkClick r:id="rId2"/>
+              </a:rPr>
+              <a:t>洛谷</a:t>
+            </a:r>
+            <a:r>
+              <a:rPr lang="zh-CN" altLang="en-US"/>
+              <a:t>）</a:t>
+            </a:r>
+            <a:endParaRPr lang="zh-CN" altLang="en-US" dirty="0"/>
+          </a:p>
+        </p:txBody>
+      </p:sp>
+    </p:spTree>
   </p:cSld>
   <p:clrMapOvr>
     <a:masterClrMapping/>
@@ -10733,7 +10199,7 @@
     </a:clrScheme>
     <a:fontScheme name="Office">
       <a:majorFont>
-        <a:latin typeface="等线 Light" panose="02110004020202020204"/>
+        <a:latin typeface="等线 Light"/>
         <a:ea typeface=""/>
         <a:cs typeface=""/>
         <a:font script="Jpan" typeface="游ゴシック Light"/>
@@ -10766,26 +10232,9 @@
         <a:font script="Viet" typeface="Times New Roman"/>
         <a:font script="Uigh" typeface="Microsoft Uighur"/>
         <a:font script="Geor" typeface="Sylfaen"/>
-        <a:font script="Armn" typeface="Arial"/>
-        <a:font script="Bugi" typeface="Leelawadee UI"/>
-        <a:font script="Bopo" typeface="Microsoft JhengHei"/>
-        <a:font script="Java" typeface="Javanese Text"/>
-        <a:font script="Lisu" typeface="Segoe UI"/>
-        <a:font script="Mymr" typeface="Myanmar Text"/>
-        <a:font script="Nkoo" typeface="Ebrima"/>
-        <a:font script="Olck" typeface="Nirmala UI"/>
-        <a:font script="Osma" typeface="Ebrima"/>
-        <a:font script="Phag" typeface="Phagspa"/>
-        <a:font script="Syrn" typeface="Estrangelo Edessa"/>
-        <a:font script="Syrj" typeface="Estrangelo Edessa"/>
-        <a:font script="Syre" typeface="Estrangelo Edessa"/>
-        <a:font script="Sora" typeface="Nirmala UI"/>
-        <a:font script="Tale" typeface="Microsoft Tai Le"/>
-        <a:font script="Talu" typeface="Microsoft New Tai Lue"/>
-        <a:font script="Tfng" typeface="Ebrima"/>
       </a:majorFont>
       <a:minorFont>
-        <a:latin typeface="等线" panose="02110004020202020204"/>
+        <a:latin typeface="等线"/>
         <a:ea typeface=""/>
         <a:cs typeface=""/>
         <a:font script="Jpan" typeface="游ゴシック"/>
@@ -10818,23 +10267,6 @@
         <a:font script="Viet" typeface="Arial"/>
         <a:font script="Uigh" typeface="Microsoft Uighur"/>
         <a:font script="Geor" typeface="Sylfaen"/>
-        <a:font script="Armn" typeface="Arial"/>
-        <a:font script="Bugi" typeface="Leelawadee UI"/>
-        <a:font script="Bopo" typeface="Microsoft JhengHei"/>
-        <a:font script="Java" typeface="Javanese Text"/>
-        <a:font script="Lisu" typeface="Segoe UI"/>
-        <a:font script="Mymr" typeface="Myanmar Text"/>
-        <a:font script="Nkoo" typeface="Ebrima"/>
-        <a:font script="Olck" typeface="Nirmala UI"/>
-        <a:font script="Osma" typeface="Ebrima"/>
-        <a:font script="Phag" typeface="Phagspa"/>
-        <a:font script="Syrn" typeface="Estrangelo Edessa"/>
-        <a:font script="Syrj" typeface="Estrangelo Edessa"/>
-        <a:font script="Syre" typeface="Estrangelo Edessa"/>
-        <a:font script="Sora" typeface="Nirmala UI"/>
-        <a:font script="Tale" typeface="Microsoft Tai Le"/>
-        <a:font script="Talu" typeface="Microsoft New Tai Lue"/>
-        <a:font script="Tfng" typeface="Ebrima"/>
       </a:minorFont>
     </a:fontScheme>
     <a:fmtScheme name="Office">
@@ -10999,7 +10431,7 @@
   <a:extraClrSchemeLst/>
   <a:extLst>
     <a:ext uri="{05A4C25C-085E-4340-85A3-A5531E510DB2}">
-      <thm15:themeFamily xmlns:thm15="http://schemas.microsoft.com/office/thememl/2012/main" name="Office Theme" id="{2E142A2C-CD16-42D6-873A-C26D2A0506FA}" vid="{1BDDFF52-6CD6-40A5-AB3C-68EB2F1E4D0A}"/>
+      <thm15:themeFamily xmlns:thm15="http://schemas.microsoft.com/office/thememl/2012/main" name="Office Theme" id="{62F939B6-93AF-4DB8-9C6B-D6C7DFDC589F}" vid="{4A3C46E8-61CC-4603-A589-7422A47A8E4A}"/>
     </a:ext>
   </a:extLst>
 </a:theme>
